--- a/Experiment/220211204 0-50 uM SN39536 clonogenic assay_2.pptx
+++ b/Experiment/220211204 0-50 uM SN39536 clonogenic assay_2.pptx
@@ -112,7 +112,7 @@
   </p:defaultTextStyle>
   <p:extLst>
     <p:ext uri="{EFAFB233-063F-42B5-8137-9DF3F51BA10A}">
-      <p15:sldGuideLst xmlns:p15="http://schemas.microsoft.com/office/powerpoint/2012/main"/>
+      <p15:sldGuideLst xmlns:p15="http://schemas.microsoft.com/office/powerpoint/2012/main" xmlns=""/>
     </p:ext>
   </p:extLst>
 </p:presentation>
@@ -200,7 +200,7 @@
           <a:p>
             <a:fld id="{EF63CFE2-5875-4F88-990D-3A465D1D39B7}" type="datetimeFigureOut">
               <a:rPr lang="en-NZ" smtClean="0"/>
-              <a:t>4/12/2021</a:t>
+              <a:t>7/12/2021</a:t>
             </a:fld>
             <a:endParaRPr lang="en-NZ"/>
           </a:p>
@@ -754,7 +754,7 @@
           <p:cNvPr id="2" name="Title 1">
             <a:extLst>
               <a:ext uri="{FF2B5EF4-FFF2-40B4-BE49-F238E27FC236}">
-                <a16:creationId xmlns:a16="http://schemas.microsoft.com/office/drawing/2014/main" id="{02447531-5CF0-48F5-8495-F3E43C1B9C99}"/>
+                <a16:creationId xmlns:a16="http://schemas.microsoft.com/office/drawing/2014/main" xmlns="" id="{02447531-5CF0-48F5-8495-F3E43C1B9C99}"/>
               </a:ext>
             </a:extLst>
           </p:cNvPr>
@@ -792,7 +792,7 @@
           <p:cNvPr id="3" name="Subtitle 2">
             <a:extLst>
               <a:ext uri="{FF2B5EF4-FFF2-40B4-BE49-F238E27FC236}">
-                <a16:creationId xmlns:a16="http://schemas.microsoft.com/office/drawing/2014/main" id="{7D55D0A8-4660-4180-9407-70694EEF327C}"/>
+                <a16:creationId xmlns:a16="http://schemas.microsoft.com/office/drawing/2014/main" xmlns="" id="{7D55D0A8-4660-4180-9407-70694EEF327C}"/>
               </a:ext>
             </a:extLst>
           </p:cNvPr>
@@ -863,7 +863,7 @@
           <p:cNvPr id="4" name="Date Placeholder 3">
             <a:extLst>
               <a:ext uri="{FF2B5EF4-FFF2-40B4-BE49-F238E27FC236}">
-                <a16:creationId xmlns:a16="http://schemas.microsoft.com/office/drawing/2014/main" id="{DBD54428-2D11-4880-8D40-27829B85DFEC}"/>
+                <a16:creationId xmlns:a16="http://schemas.microsoft.com/office/drawing/2014/main" xmlns="" id="{DBD54428-2D11-4880-8D40-27829B85DFEC}"/>
               </a:ext>
             </a:extLst>
           </p:cNvPr>
@@ -881,7 +881,7 @@
           <a:p>
             <a:fld id="{9002AFFA-82F6-4F1A-9A72-D89A2E60E2BD}" type="datetimeFigureOut">
               <a:rPr lang="en-NZ" smtClean="0"/>
-              <a:t>4/12/2021</a:t>
+              <a:t>7/12/2021</a:t>
             </a:fld>
             <a:endParaRPr lang="en-NZ"/>
           </a:p>
@@ -892,7 +892,7 @@
           <p:cNvPr id="5" name="Footer Placeholder 4">
             <a:extLst>
               <a:ext uri="{FF2B5EF4-FFF2-40B4-BE49-F238E27FC236}">
-                <a16:creationId xmlns:a16="http://schemas.microsoft.com/office/drawing/2014/main" id="{7E570B61-15C4-45F3-9FEB-FF32E8285223}"/>
+                <a16:creationId xmlns:a16="http://schemas.microsoft.com/office/drawing/2014/main" xmlns="" id="{7E570B61-15C4-45F3-9FEB-FF32E8285223}"/>
               </a:ext>
             </a:extLst>
           </p:cNvPr>
@@ -917,7 +917,7 @@
           <p:cNvPr id="6" name="Slide Number Placeholder 5">
             <a:extLst>
               <a:ext uri="{FF2B5EF4-FFF2-40B4-BE49-F238E27FC236}">
-                <a16:creationId xmlns:a16="http://schemas.microsoft.com/office/drawing/2014/main" id="{1CC8A993-E974-4D06-A12E-E3FBB830C906}"/>
+                <a16:creationId xmlns:a16="http://schemas.microsoft.com/office/drawing/2014/main" xmlns="" id="{1CC8A993-E974-4D06-A12E-E3FBB830C906}"/>
               </a:ext>
             </a:extLst>
           </p:cNvPr>
@@ -976,7 +976,7 @@
           <p:cNvPr id="2" name="Title 1">
             <a:extLst>
               <a:ext uri="{FF2B5EF4-FFF2-40B4-BE49-F238E27FC236}">
-                <a16:creationId xmlns:a16="http://schemas.microsoft.com/office/drawing/2014/main" id="{4426ACD8-F7D2-4196-AAB6-631FEF86978A}"/>
+                <a16:creationId xmlns:a16="http://schemas.microsoft.com/office/drawing/2014/main" xmlns="" id="{4426ACD8-F7D2-4196-AAB6-631FEF86978A}"/>
               </a:ext>
             </a:extLst>
           </p:cNvPr>
@@ -1005,7 +1005,7 @@
           <p:cNvPr id="3" name="Vertical Text Placeholder 2">
             <a:extLst>
               <a:ext uri="{FF2B5EF4-FFF2-40B4-BE49-F238E27FC236}">
-                <a16:creationId xmlns:a16="http://schemas.microsoft.com/office/drawing/2014/main" id="{C9105F6C-1E57-498C-9F9B-84993BCDC8A0}"/>
+                <a16:creationId xmlns:a16="http://schemas.microsoft.com/office/drawing/2014/main" xmlns="" id="{C9105F6C-1E57-498C-9F9B-84993BCDC8A0}"/>
               </a:ext>
             </a:extLst>
           </p:cNvPr>
@@ -1063,7 +1063,7 @@
           <p:cNvPr id="4" name="Date Placeholder 3">
             <a:extLst>
               <a:ext uri="{FF2B5EF4-FFF2-40B4-BE49-F238E27FC236}">
-                <a16:creationId xmlns:a16="http://schemas.microsoft.com/office/drawing/2014/main" id="{66979635-83D7-4582-A1C8-FF2F9DAC0C06}"/>
+                <a16:creationId xmlns:a16="http://schemas.microsoft.com/office/drawing/2014/main" xmlns="" id="{66979635-83D7-4582-A1C8-FF2F9DAC0C06}"/>
               </a:ext>
             </a:extLst>
           </p:cNvPr>
@@ -1081,7 +1081,7 @@
           <a:p>
             <a:fld id="{9002AFFA-82F6-4F1A-9A72-D89A2E60E2BD}" type="datetimeFigureOut">
               <a:rPr lang="en-NZ" smtClean="0"/>
-              <a:t>4/12/2021</a:t>
+              <a:t>7/12/2021</a:t>
             </a:fld>
             <a:endParaRPr lang="en-NZ"/>
           </a:p>
@@ -1092,7 +1092,7 @@
           <p:cNvPr id="5" name="Footer Placeholder 4">
             <a:extLst>
               <a:ext uri="{FF2B5EF4-FFF2-40B4-BE49-F238E27FC236}">
-                <a16:creationId xmlns:a16="http://schemas.microsoft.com/office/drawing/2014/main" id="{CED4563E-49BC-4488-A766-ED77075A1207}"/>
+                <a16:creationId xmlns:a16="http://schemas.microsoft.com/office/drawing/2014/main" xmlns="" id="{CED4563E-49BC-4488-A766-ED77075A1207}"/>
               </a:ext>
             </a:extLst>
           </p:cNvPr>
@@ -1117,7 +1117,7 @@
           <p:cNvPr id="6" name="Slide Number Placeholder 5">
             <a:extLst>
               <a:ext uri="{FF2B5EF4-FFF2-40B4-BE49-F238E27FC236}">
-                <a16:creationId xmlns:a16="http://schemas.microsoft.com/office/drawing/2014/main" id="{EB215FF2-CB2C-4DA8-AE41-E6FC58E07AFF}"/>
+                <a16:creationId xmlns:a16="http://schemas.microsoft.com/office/drawing/2014/main" xmlns="" id="{EB215FF2-CB2C-4DA8-AE41-E6FC58E07AFF}"/>
               </a:ext>
             </a:extLst>
           </p:cNvPr>
@@ -1176,7 +1176,7 @@
           <p:cNvPr id="2" name="Vertical Title 1">
             <a:extLst>
               <a:ext uri="{FF2B5EF4-FFF2-40B4-BE49-F238E27FC236}">
-                <a16:creationId xmlns:a16="http://schemas.microsoft.com/office/drawing/2014/main" id="{C609F753-09D9-4DA6-99D7-5C307CD877F3}"/>
+                <a16:creationId xmlns:a16="http://schemas.microsoft.com/office/drawing/2014/main" xmlns="" id="{C609F753-09D9-4DA6-99D7-5C307CD877F3}"/>
               </a:ext>
             </a:extLst>
           </p:cNvPr>
@@ -1210,7 +1210,7 @@
           <p:cNvPr id="3" name="Vertical Text Placeholder 2">
             <a:extLst>
               <a:ext uri="{FF2B5EF4-FFF2-40B4-BE49-F238E27FC236}">
-                <a16:creationId xmlns:a16="http://schemas.microsoft.com/office/drawing/2014/main" id="{3D883D72-4C83-444B-ADBE-94A6980F75A3}"/>
+                <a16:creationId xmlns:a16="http://schemas.microsoft.com/office/drawing/2014/main" xmlns="" id="{3D883D72-4C83-444B-ADBE-94A6980F75A3}"/>
               </a:ext>
             </a:extLst>
           </p:cNvPr>
@@ -1273,7 +1273,7 @@
           <p:cNvPr id="4" name="Date Placeholder 3">
             <a:extLst>
               <a:ext uri="{FF2B5EF4-FFF2-40B4-BE49-F238E27FC236}">
-                <a16:creationId xmlns:a16="http://schemas.microsoft.com/office/drawing/2014/main" id="{E2B3A983-FC72-47E0-BEC6-D5A0700A89F9}"/>
+                <a16:creationId xmlns:a16="http://schemas.microsoft.com/office/drawing/2014/main" xmlns="" id="{E2B3A983-FC72-47E0-BEC6-D5A0700A89F9}"/>
               </a:ext>
             </a:extLst>
           </p:cNvPr>
@@ -1291,7 +1291,7 @@
           <a:p>
             <a:fld id="{9002AFFA-82F6-4F1A-9A72-D89A2E60E2BD}" type="datetimeFigureOut">
               <a:rPr lang="en-NZ" smtClean="0"/>
-              <a:t>4/12/2021</a:t>
+              <a:t>7/12/2021</a:t>
             </a:fld>
             <a:endParaRPr lang="en-NZ"/>
           </a:p>
@@ -1302,7 +1302,7 @@
           <p:cNvPr id="5" name="Footer Placeholder 4">
             <a:extLst>
               <a:ext uri="{FF2B5EF4-FFF2-40B4-BE49-F238E27FC236}">
-                <a16:creationId xmlns:a16="http://schemas.microsoft.com/office/drawing/2014/main" id="{A84B7C0C-BB73-4367-A0F9-6E75C314F502}"/>
+                <a16:creationId xmlns:a16="http://schemas.microsoft.com/office/drawing/2014/main" xmlns="" id="{A84B7C0C-BB73-4367-A0F9-6E75C314F502}"/>
               </a:ext>
             </a:extLst>
           </p:cNvPr>
@@ -1327,7 +1327,7 @@
           <p:cNvPr id="6" name="Slide Number Placeholder 5">
             <a:extLst>
               <a:ext uri="{FF2B5EF4-FFF2-40B4-BE49-F238E27FC236}">
-                <a16:creationId xmlns:a16="http://schemas.microsoft.com/office/drawing/2014/main" id="{27498D75-F608-4ADB-931F-0028C44950BA}"/>
+                <a16:creationId xmlns:a16="http://schemas.microsoft.com/office/drawing/2014/main" xmlns="" id="{27498D75-F608-4ADB-931F-0028C44950BA}"/>
               </a:ext>
             </a:extLst>
           </p:cNvPr>
@@ -1386,7 +1386,7 @@
           <p:cNvPr id="2" name="Title 1">
             <a:extLst>
               <a:ext uri="{FF2B5EF4-FFF2-40B4-BE49-F238E27FC236}">
-                <a16:creationId xmlns:a16="http://schemas.microsoft.com/office/drawing/2014/main" id="{0E49425E-6248-4B3C-8AF6-084D8A22F1EE}"/>
+                <a16:creationId xmlns:a16="http://schemas.microsoft.com/office/drawing/2014/main" xmlns="" id="{0E49425E-6248-4B3C-8AF6-084D8A22F1EE}"/>
               </a:ext>
             </a:extLst>
           </p:cNvPr>
@@ -1415,7 +1415,7 @@
           <p:cNvPr id="3" name="Content Placeholder 2">
             <a:extLst>
               <a:ext uri="{FF2B5EF4-FFF2-40B4-BE49-F238E27FC236}">
-                <a16:creationId xmlns:a16="http://schemas.microsoft.com/office/drawing/2014/main" id="{ECC1E310-4A8F-437C-867C-7A3CD3CE9488}"/>
+                <a16:creationId xmlns:a16="http://schemas.microsoft.com/office/drawing/2014/main" xmlns="" id="{ECC1E310-4A8F-437C-867C-7A3CD3CE9488}"/>
               </a:ext>
             </a:extLst>
           </p:cNvPr>
@@ -1473,7 +1473,7 @@
           <p:cNvPr id="4" name="Date Placeholder 3">
             <a:extLst>
               <a:ext uri="{FF2B5EF4-FFF2-40B4-BE49-F238E27FC236}">
-                <a16:creationId xmlns:a16="http://schemas.microsoft.com/office/drawing/2014/main" id="{896A50EF-AF28-4C2B-908F-A5309383D802}"/>
+                <a16:creationId xmlns:a16="http://schemas.microsoft.com/office/drawing/2014/main" xmlns="" id="{896A50EF-AF28-4C2B-908F-A5309383D802}"/>
               </a:ext>
             </a:extLst>
           </p:cNvPr>
@@ -1491,7 +1491,7 @@
           <a:p>
             <a:fld id="{9002AFFA-82F6-4F1A-9A72-D89A2E60E2BD}" type="datetimeFigureOut">
               <a:rPr lang="en-NZ" smtClean="0"/>
-              <a:t>4/12/2021</a:t>
+              <a:t>7/12/2021</a:t>
             </a:fld>
             <a:endParaRPr lang="en-NZ"/>
           </a:p>
@@ -1502,7 +1502,7 @@
           <p:cNvPr id="5" name="Footer Placeholder 4">
             <a:extLst>
               <a:ext uri="{FF2B5EF4-FFF2-40B4-BE49-F238E27FC236}">
-                <a16:creationId xmlns:a16="http://schemas.microsoft.com/office/drawing/2014/main" id="{7A4BEEBB-8C2C-4EBD-B5E9-5C16B07E8C84}"/>
+                <a16:creationId xmlns:a16="http://schemas.microsoft.com/office/drawing/2014/main" xmlns="" id="{7A4BEEBB-8C2C-4EBD-B5E9-5C16B07E8C84}"/>
               </a:ext>
             </a:extLst>
           </p:cNvPr>
@@ -1527,7 +1527,7 @@
           <p:cNvPr id="6" name="Slide Number Placeholder 5">
             <a:extLst>
               <a:ext uri="{FF2B5EF4-FFF2-40B4-BE49-F238E27FC236}">
-                <a16:creationId xmlns:a16="http://schemas.microsoft.com/office/drawing/2014/main" id="{7428DD3B-EC1D-41CC-8BAC-A323C95E7981}"/>
+                <a16:creationId xmlns:a16="http://schemas.microsoft.com/office/drawing/2014/main" xmlns="" id="{7428DD3B-EC1D-41CC-8BAC-A323C95E7981}"/>
               </a:ext>
             </a:extLst>
           </p:cNvPr>
@@ -1586,7 +1586,7 @@
           <p:cNvPr id="2" name="Title 1">
             <a:extLst>
               <a:ext uri="{FF2B5EF4-FFF2-40B4-BE49-F238E27FC236}">
-                <a16:creationId xmlns:a16="http://schemas.microsoft.com/office/drawing/2014/main" id="{5F08022D-2BC4-4214-9506-B0F2ACB3250E}"/>
+                <a16:creationId xmlns:a16="http://schemas.microsoft.com/office/drawing/2014/main" xmlns="" id="{5F08022D-2BC4-4214-9506-B0F2ACB3250E}"/>
               </a:ext>
             </a:extLst>
           </p:cNvPr>
@@ -1624,7 +1624,7 @@
           <p:cNvPr id="3" name="Text Placeholder 2">
             <a:extLst>
               <a:ext uri="{FF2B5EF4-FFF2-40B4-BE49-F238E27FC236}">
-                <a16:creationId xmlns:a16="http://schemas.microsoft.com/office/drawing/2014/main" id="{906551F1-56B1-4937-8D66-16FCF2202A4A}"/>
+                <a16:creationId xmlns:a16="http://schemas.microsoft.com/office/drawing/2014/main" xmlns="" id="{906551F1-56B1-4937-8D66-16FCF2202A4A}"/>
               </a:ext>
             </a:extLst>
           </p:cNvPr>
@@ -1749,7 +1749,7 @@
           <p:cNvPr id="4" name="Date Placeholder 3">
             <a:extLst>
               <a:ext uri="{FF2B5EF4-FFF2-40B4-BE49-F238E27FC236}">
-                <a16:creationId xmlns:a16="http://schemas.microsoft.com/office/drawing/2014/main" id="{A5B89BB0-900E-4D8D-B001-E7ACD517B9E2}"/>
+                <a16:creationId xmlns:a16="http://schemas.microsoft.com/office/drawing/2014/main" xmlns="" id="{A5B89BB0-900E-4D8D-B001-E7ACD517B9E2}"/>
               </a:ext>
             </a:extLst>
           </p:cNvPr>
@@ -1767,7 +1767,7 @@
           <a:p>
             <a:fld id="{9002AFFA-82F6-4F1A-9A72-D89A2E60E2BD}" type="datetimeFigureOut">
               <a:rPr lang="en-NZ" smtClean="0"/>
-              <a:t>4/12/2021</a:t>
+              <a:t>7/12/2021</a:t>
             </a:fld>
             <a:endParaRPr lang="en-NZ"/>
           </a:p>
@@ -1778,7 +1778,7 @@
           <p:cNvPr id="5" name="Footer Placeholder 4">
             <a:extLst>
               <a:ext uri="{FF2B5EF4-FFF2-40B4-BE49-F238E27FC236}">
-                <a16:creationId xmlns:a16="http://schemas.microsoft.com/office/drawing/2014/main" id="{9ABC5585-DA74-40A2-9A44-7A0F168B91FB}"/>
+                <a16:creationId xmlns:a16="http://schemas.microsoft.com/office/drawing/2014/main" xmlns="" id="{9ABC5585-DA74-40A2-9A44-7A0F168B91FB}"/>
               </a:ext>
             </a:extLst>
           </p:cNvPr>
@@ -1803,7 +1803,7 @@
           <p:cNvPr id="6" name="Slide Number Placeholder 5">
             <a:extLst>
               <a:ext uri="{FF2B5EF4-FFF2-40B4-BE49-F238E27FC236}">
-                <a16:creationId xmlns:a16="http://schemas.microsoft.com/office/drawing/2014/main" id="{70D56CB0-A3FE-450C-AEC8-673F7A467CA9}"/>
+                <a16:creationId xmlns:a16="http://schemas.microsoft.com/office/drawing/2014/main" xmlns="" id="{70D56CB0-A3FE-450C-AEC8-673F7A467CA9}"/>
               </a:ext>
             </a:extLst>
           </p:cNvPr>
@@ -1862,7 +1862,7 @@
           <p:cNvPr id="2" name="Title 1">
             <a:extLst>
               <a:ext uri="{FF2B5EF4-FFF2-40B4-BE49-F238E27FC236}">
-                <a16:creationId xmlns:a16="http://schemas.microsoft.com/office/drawing/2014/main" id="{1C2D8007-DE56-448D-BDFF-D5413F2D4A96}"/>
+                <a16:creationId xmlns:a16="http://schemas.microsoft.com/office/drawing/2014/main" xmlns="" id="{1C2D8007-DE56-448D-BDFF-D5413F2D4A96}"/>
               </a:ext>
             </a:extLst>
           </p:cNvPr>
@@ -1891,7 +1891,7 @@
           <p:cNvPr id="3" name="Content Placeholder 2">
             <a:extLst>
               <a:ext uri="{FF2B5EF4-FFF2-40B4-BE49-F238E27FC236}">
-                <a16:creationId xmlns:a16="http://schemas.microsoft.com/office/drawing/2014/main" id="{6B5CB64A-4F93-4DB2-93CA-B664AEE3944E}"/>
+                <a16:creationId xmlns:a16="http://schemas.microsoft.com/office/drawing/2014/main" xmlns="" id="{6B5CB64A-4F93-4DB2-93CA-B664AEE3944E}"/>
               </a:ext>
             </a:extLst>
           </p:cNvPr>
@@ -1954,7 +1954,7 @@
           <p:cNvPr id="4" name="Content Placeholder 3">
             <a:extLst>
               <a:ext uri="{FF2B5EF4-FFF2-40B4-BE49-F238E27FC236}">
-                <a16:creationId xmlns:a16="http://schemas.microsoft.com/office/drawing/2014/main" id="{52F4BF99-4C61-4E1D-80B4-96081280B0EB}"/>
+                <a16:creationId xmlns:a16="http://schemas.microsoft.com/office/drawing/2014/main" xmlns="" id="{52F4BF99-4C61-4E1D-80B4-96081280B0EB}"/>
               </a:ext>
             </a:extLst>
           </p:cNvPr>
@@ -2017,7 +2017,7 @@
           <p:cNvPr id="5" name="Date Placeholder 4">
             <a:extLst>
               <a:ext uri="{FF2B5EF4-FFF2-40B4-BE49-F238E27FC236}">
-                <a16:creationId xmlns:a16="http://schemas.microsoft.com/office/drawing/2014/main" id="{FCFCFD8C-895A-4B80-B3BF-F7B80628DD94}"/>
+                <a16:creationId xmlns:a16="http://schemas.microsoft.com/office/drawing/2014/main" xmlns="" id="{FCFCFD8C-895A-4B80-B3BF-F7B80628DD94}"/>
               </a:ext>
             </a:extLst>
           </p:cNvPr>
@@ -2035,7 +2035,7 @@
           <a:p>
             <a:fld id="{9002AFFA-82F6-4F1A-9A72-D89A2E60E2BD}" type="datetimeFigureOut">
               <a:rPr lang="en-NZ" smtClean="0"/>
-              <a:t>4/12/2021</a:t>
+              <a:t>7/12/2021</a:t>
             </a:fld>
             <a:endParaRPr lang="en-NZ"/>
           </a:p>
@@ -2046,7 +2046,7 @@
           <p:cNvPr id="6" name="Footer Placeholder 5">
             <a:extLst>
               <a:ext uri="{FF2B5EF4-FFF2-40B4-BE49-F238E27FC236}">
-                <a16:creationId xmlns:a16="http://schemas.microsoft.com/office/drawing/2014/main" id="{356E27A1-DAD7-4F00-8DE1-79B360C2D5FC}"/>
+                <a16:creationId xmlns:a16="http://schemas.microsoft.com/office/drawing/2014/main" xmlns="" id="{356E27A1-DAD7-4F00-8DE1-79B360C2D5FC}"/>
               </a:ext>
             </a:extLst>
           </p:cNvPr>
@@ -2071,7 +2071,7 @@
           <p:cNvPr id="7" name="Slide Number Placeholder 6">
             <a:extLst>
               <a:ext uri="{FF2B5EF4-FFF2-40B4-BE49-F238E27FC236}">
-                <a16:creationId xmlns:a16="http://schemas.microsoft.com/office/drawing/2014/main" id="{CD45BF98-CC26-4AE6-B301-34854F71B96F}"/>
+                <a16:creationId xmlns:a16="http://schemas.microsoft.com/office/drawing/2014/main" xmlns="" id="{CD45BF98-CC26-4AE6-B301-34854F71B96F}"/>
               </a:ext>
             </a:extLst>
           </p:cNvPr>
@@ -2130,7 +2130,7 @@
           <p:cNvPr id="2" name="Title 1">
             <a:extLst>
               <a:ext uri="{FF2B5EF4-FFF2-40B4-BE49-F238E27FC236}">
-                <a16:creationId xmlns:a16="http://schemas.microsoft.com/office/drawing/2014/main" id="{02087505-0C14-4AA7-9CE2-56CE69376A8B}"/>
+                <a16:creationId xmlns:a16="http://schemas.microsoft.com/office/drawing/2014/main" xmlns="" id="{02087505-0C14-4AA7-9CE2-56CE69376A8B}"/>
               </a:ext>
             </a:extLst>
           </p:cNvPr>
@@ -2164,7 +2164,7 @@
           <p:cNvPr id="3" name="Text Placeholder 2">
             <a:extLst>
               <a:ext uri="{FF2B5EF4-FFF2-40B4-BE49-F238E27FC236}">
-                <a16:creationId xmlns:a16="http://schemas.microsoft.com/office/drawing/2014/main" id="{033B8CBE-BE8C-43F0-A89F-E9ED1C9F4E38}"/>
+                <a16:creationId xmlns:a16="http://schemas.microsoft.com/office/drawing/2014/main" xmlns="" id="{033B8CBE-BE8C-43F0-A89F-E9ED1C9F4E38}"/>
               </a:ext>
             </a:extLst>
           </p:cNvPr>
@@ -2235,7 +2235,7 @@
           <p:cNvPr id="4" name="Content Placeholder 3">
             <a:extLst>
               <a:ext uri="{FF2B5EF4-FFF2-40B4-BE49-F238E27FC236}">
-                <a16:creationId xmlns:a16="http://schemas.microsoft.com/office/drawing/2014/main" id="{844C2B5C-FD47-48B7-B837-3F010CA9B8EA}"/>
+                <a16:creationId xmlns:a16="http://schemas.microsoft.com/office/drawing/2014/main" xmlns="" id="{844C2B5C-FD47-48B7-B837-3F010CA9B8EA}"/>
               </a:ext>
             </a:extLst>
           </p:cNvPr>
@@ -2298,7 +2298,7 @@
           <p:cNvPr id="5" name="Text Placeholder 4">
             <a:extLst>
               <a:ext uri="{FF2B5EF4-FFF2-40B4-BE49-F238E27FC236}">
-                <a16:creationId xmlns:a16="http://schemas.microsoft.com/office/drawing/2014/main" id="{0FFF138E-8690-439B-B426-B3BBADE4F73D}"/>
+                <a16:creationId xmlns:a16="http://schemas.microsoft.com/office/drawing/2014/main" xmlns="" id="{0FFF138E-8690-439B-B426-B3BBADE4F73D}"/>
               </a:ext>
             </a:extLst>
           </p:cNvPr>
@@ -2369,7 +2369,7 @@
           <p:cNvPr id="6" name="Content Placeholder 5">
             <a:extLst>
               <a:ext uri="{FF2B5EF4-FFF2-40B4-BE49-F238E27FC236}">
-                <a16:creationId xmlns:a16="http://schemas.microsoft.com/office/drawing/2014/main" id="{34D9EC6B-5F49-4BAD-9AC9-C7E7F502D422}"/>
+                <a16:creationId xmlns:a16="http://schemas.microsoft.com/office/drawing/2014/main" xmlns="" id="{34D9EC6B-5F49-4BAD-9AC9-C7E7F502D422}"/>
               </a:ext>
             </a:extLst>
           </p:cNvPr>
@@ -2432,7 +2432,7 @@
           <p:cNvPr id="7" name="Date Placeholder 6">
             <a:extLst>
               <a:ext uri="{FF2B5EF4-FFF2-40B4-BE49-F238E27FC236}">
-                <a16:creationId xmlns:a16="http://schemas.microsoft.com/office/drawing/2014/main" id="{176EFF94-6C33-4E38-AC21-85A12F2FC31A}"/>
+                <a16:creationId xmlns:a16="http://schemas.microsoft.com/office/drawing/2014/main" xmlns="" id="{176EFF94-6C33-4E38-AC21-85A12F2FC31A}"/>
               </a:ext>
             </a:extLst>
           </p:cNvPr>
@@ -2450,7 +2450,7 @@
           <a:p>
             <a:fld id="{9002AFFA-82F6-4F1A-9A72-D89A2E60E2BD}" type="datetimeFigureOut">
               <a:rPr lang="en-NZ" smtClean="0"/>
-              <a:t>4/12/2021</a:t>
+              <a:t>7/12/2021</a:t>
             </a:fld>
             <a:endParaRPr lang="en-NZ"/>
           </a:p>
@@ -2461,7 +2461,7 @@
           <p:cNvPr id="8" name="Footer Placeholder 7">
             <a:extLst>
               <a:ext uri="{FF2B5EF4-FFF2-40B4-BE49-F238E27FC236}">
-                <a16:creationId xmlns:a16="http://schemas.microsoft.com/office/drawing/2014/main" id="{59FDF73A-47F3-460D-8A5F-12A1760755E2}"/>
+                <a16:creationId xmlns:a16="http://schemas.microsoft.com/office/drawing/2014/main" xmlns="" id="{59FDF73A-47F3-460D-8A5F-12A1760755E2}"/>
               </a:ext>
             </a:extLst>
           </p:cNvPr>
@@ -2486,7 +2486,7 @@
           <p:cNvPr id="9" name="Slide Number Placeholder 8">
             <a:extLst>
               <a:ext uri="{FF2B5EF4-FFF2-40B4-BE49-F238E27FC236}">
-                <a16:creationId xmlns:a16="http://schemas.microsoft.com/office/drawing/2014/main" id="{714D2148-7619-4783-A56A-693BE18C89D4}"/>
+                <a16:creationId xmlns:a16="http://schemas.microsoft.com/office/drawing/2014/main" xmlns="" id="{714D2148-7619-4783-A56A-693BE18C89D4}"/>
               </a:ext>
             </a:extLst>
           </p:cNvPr>
@@ -2545,7 +2545,7 @@
           <p:cNvPr id="2" name="Title 1">
             <a:extLst>
               <a:ext uri="{FF2B5EF4-FFF2-40B4-BE49-F238E27FC236}">
-                <a16:creationId xmlns:a16="http://schemas.microsoft.com/office/drawing/2014/main" id="{5FD6FF99-2306-4470-9614-723283E963B2}"/>
+                <a16:creationId xmlns:a16="http://schemas.microsoft.com/office/drawing/2014/main" xmlns="" id="{5FD6FF99-2306-4470-9614-723283E963B2}"/>
               </a:ext>
             </a:extLst>
           </p:cNvPr>
@@ -2574,7 +2574,7 @@
           <p:cNvPr id="3" name="Date Placeholder 2">
             <a:extLst>
               <a:ext uri="{FF2B5EF4-FFF2-40B4-BE49-F238E27FC236}">
-                <a16:creationId xmlns:a16="http://schemas.microsoft.com/office/drawing/2014/main" id="{12988BC9-0413-4FC8-BF24-F576701AE15A}"/>
+                <a16:creationId xmlns:a16="http://schemas.microsoft.com/office/drawing/2014/main" xmlns="" id="{12988BC9-0413-4FC8-BF24-F576701AE15A}"/>
               </a:ext>
             </a:extLst>
           </p:cNvPr>
@@ -2592,7 +2592,7 @@
           <a:p>
             <a:fld id="{9002AFFA-82F6-4F1A-9A72-D89A2E60E2BD}" type="datetimeFigureOut">
               <a:rPr lang="en-NZ" smtClean="0"/>
-              <a:t>4/12/2021</a:t>
+              <a:t>7/12/2021</a:t>
             </a:fld>
             <a:endParaRPr lang="en-NZ"/>
           </a:p>
@@ -2603,7 +2603,7 @@
           <p:cNvPr id="4" name="Footer Placeholder 3">
             <a:extLst>
               <a:ext uri="{FF2B5EF4-FFF2-40B4-BE49-F238E27FC236}">
-                <a16:creationId xmlns:a16="http://schemas.microsoft.com/office/drawing/2014/main" id="{73A62AAE-206C-4231-9141-BACA6F4A3BA3}"/>
+                <a16:creationId xmlns:a16="http://schemas.microsoft.com/office/drawing/2014/main" xmlns="" id="{73A62AAE-206C-4231-9141-BACA6F4A3BA3}"/>
               </a:ext>
             </a:extLst>
           </p:cNvPr>
@@ -2628,7 +2628,7 @@
           <p:cNvPr id="5" name="Slide Number Placeholder 4">
             <a:extLst>
               <a:ext uri="{FF2B5EF4-FFF2-40B4-BE49-F238E27FC236}">
-                <a16:creationId xmlns:a16="http://schemas.microsoft.com/office/drawing/2014/main" id="{3F647F05-2569-4A74-9EA5-D17EE419A00A}"/>
+                <a16:creationId xmlns:a16="http://schemas.microsoft.com/office/drawing/2014/main" xmlns="" id="{3F647F05-2569-4A74-9EA5-D17EE419A00A}"/>
               </a:ext>
             </a:extLst>
           </p:cNvPr>
@@ -2687,7 +2687,7 @@
           <p:cNvPr id="2" name="Date Placeholder 1">
             <a:extLst>
               <a:ext uri="{FF2B5EF4-FFF2-40B4-BE49-F238E27FC236}">
-                <a16:creationId xmlns:a16="http://schemas.microsoft.com/office/drawing/2014/main" id="{095F2453-60CC-442A-BE4A-2A02C32412C0}"/>
+                <a16:creationId xmlns:a16="http://schemas.microsoft.com/office/drawing/2014/main" xmlns="" id="{095F2453-60CC-442A-BE4A-2A02C32412C0}"/>
               </a:ext>
             </a:extLst>
           </p:cNvPr>
@@ -2705,7 +2705,7 @@
           <a:p>
             <a:fld id="{9002AFFA-82F6-4F1A-9A72-D89A2E60E2BD}" type="datetimeFigureOut">
               <a:rPr lang="en-NZ" smtClean="0"/>
-              <a:t>4/12/2021</a:t>
+              <a:t>7/12/2021</a:t>
             </a:fld>
             <a:endParaRPr lang="en-NZ"/>
           </a:p>
@@ -2716,7 +2716,7 @@
           <p:cNvPr id="3" name="Footer Placeholder 2">
             <a:extLst>
               <a:ext uri="{FF2B5EF4-FFF2-40B4-BE49-F238E27FC236}">
-                <a16:creationId xmlns:a16="http://schemas.microsoft.com/office/drawing/2014/main" id="{6243574A-8865-4FEC-B057-5F337CE51F25}"/>
+                <a16:creationId xmlns:a16="http://schemas.microsoft.com/office/drawing/2014/main" xmlns="" id="{6243574A-8865-4FEC-B057-5F337CE51F25}"/>
               </a:ext>
             </a:extLst>
           </p:cNvPr>
@@ -2741,7 +2741,7 @@
           <p:cNvPr id="4" name="Slide Number Placeholder 3">
             <a:extLst>
               <a:ext uri="{FF2B5EF4-FFF2-40B4-BE49-F238E27FC236}">
-                <a16:creationId xmlns:a16="http://schemas.microsoft.com/office/drawing/2014/main" id="{933668A6-6F10-4196-8F63-08907AA1CC26}"/>
+                <a16:creationId xmlns:a16="http://schemas.microsoft.com/office/drawing/2014/main" xmlns="" id="{933668A6-6F10-4196-8F63-08907AA1CC26}"/>
               </a:ext>
             </a:extLst>
           </p:cNvPr>
@@ -2800,7 +2800,7 @@
           <p:cNvPr id="2" name="Title 1">
             <a:extLst>
               <a:ext uri="{FF2B5EF4-FFF2-40B4-BE49-F238E27FC236}">
-                <a16:creationId xmlns:a16="http://schemas.microsoft.com/office/drawing/2014/main" id="{1299AD1C-D66A-41FF-9741-7F98CB0FF2B1}"/>
+                <a16:creationId xmlns:a16="http://schemas.microsoft.com/office/drawing/2014/main" xmlns="" id="{1299AD1C-D66A-41FF-9741-7F98CB0FF2B1}"/>
               </a:ext>
             </a:extLst>
           </p:cNvPr>
@@ -2838,7 +2838,7 @@
           <p:cNvPr id="3" name="Content Placeholder 2">
             <a:extLst>
               <a:ext uri="{FF2B5EF4-FFF2-40B4-BE49-F238E27FC236}">
-                <a16:creationId xmlns:a16="http://schemas.microsoft.com/office/drawing/2014/main" id="{EBA5DB14-CD15-476C-A4E1-2F1982968F92}"/>
+                <a16:creationId xmlns:a16="http://schemas.microsoft.com/office/drawing/2014/main" xmlns="" id="{EBA5DB14-CD15-476C-A4E1-2F1982968F92}"/>
               </a:ext>
             </a:extLst>
           </p:cNvPr>
@@ -2929,7 +2929,7 @@
           <p:cNvPr id="4" name="Text Placeholder 3">
             <a:extLst>
               <a:ext uri="{FF2B5EF4-FFF2-40B4-BE49-F238E27FC236}">
-                <a16:creationId xmlns:a16="http://schemas.microsoft.com/office/drawing/2014/main" id="{B75BECF6-A47E-45A9-8AA9-896412720066}"/>
+                <a16:creationId xmlns:a16="http://schemas.microsoft.com/office/drawing/2014/main" xmlns="" id="{B75BECF6-A47E-45A9-8AA9-896412720066}"/>
               </a:ext>
             </a:extLst>
           </p:cNvPr>
@@ -3000,7 +3000,7 @@
           <p:cNvPr id="5" name="Date Placeholder 4">
             <a:extLst>
               <a:ext uri="{FF2B5EF4-FFF2-40B4-BE49-F238E27FC236}">
-                <a16:creationId xmlns:a16="http://schemas.microsoft.com/office/drawing/2014/main" id="{C77C0821-9D35-4EA9-9F56-1BBAF9FFB34D}"/>
+                <a16:creationId xmlns:a16="http://schemas.microsoft.com/office/drawing/2014/main" xmlns="" id="{C77C0821-9D35-4EA9-9F56-1BBAF9FFB34D}"/>
               </a:ext>
             </a:extLst>
           </p:cNvPr>
@@ -3018,7 +3018,7 @@
           <a:p>
             <a:fld id="{9002AFFA-82F6-4F1A-9A72-D89A2E60E2BD}" type="datetimeFigureOut">
               <a:rPr lang="en-NZ" smtClean="0"/>
-              <a:t>4/12/2021</a:t>
+              <a:t>7/12/2021</a:t>
             </a:fld>
             <a:endParaRPr lang="en-NZ"/>
           </a:p>
@@ -3029,7 +3029,7 @@
           <p:cNvPr id="6" name="Footer Placeholder 5">
             <a:extLst>
               <a:ext uri="{FF2B5EF4-FFF2-40B4-BE49-F238E27FC236}">
-                <a16:creationId xmlns:a16="http://schemas.microsoft.com/office/drawing/2014/main" id="{AA63A7E7-9F4F-48DB-9421-8694FF7B851D}"/>
+                <a16:creationId xmlns:a16="http://schemas.microsoft.com/office/drawing/2014/main" xmlns="" id="{AA63A7E7-9F4F-48DB-9421-8694FF7B851D}"/>
               </a:ext>
             </a:extLst>
           </p:cNvPr>
@@ -3054,7 +3054,7 @@
           <p:cNvPr id="7" name="Slide Number Placeholder 6">
             <a:extLst>
               <a:ext uri="{FF2B5EF4-FFF2-40B4-BE49-F238E27FC236}">
-                <a16:creationId xmlns:a16="http://schemas.microsoft.com/office/drawing/2014/main" id="{8EB1B78D-8F71-4168-B6F1-0B3C619EE210}"/>
+                <a16:creationId xmlns:a16="http://schemas.microsoft.com/office/drawing/2014/main" xmlns="" id="{8EB1B78D-8F71-4168-B6F1-0B3C619EE210}"/>
               </a:ext>
             </a:extLst>
           </p:cNvPr>
@@ -3113,7 +3113,7 @@
           <p:cNvPr id="2" name="Title 1">
             <a:extLst>
               <a:ext uri="{FF2B5EF4-FFF2-40B4-BE49-F238E27FC236}">
-                <a16:creationId xmlns:a16="http://schemas.microsoft.com/office/drawing/2014/main" id="{31F9AABE-0358-40BB-96C8-6947AE599740}"/>
+                <a16:creationId xmlns:a16="http://schemas.microsoft.com/office/drawing/2014/main" xmlns="" id="{31F9AABE-0358-40BB-96C8-6947AE599740}"/>
               </a:ext>
             </a:extLst>
           </p:cNvPr>
@@ -3151,7 +3151,7 @@
           <p:cNvPr id="3" name="Picture Placeholder 2">
             <a:extLst>
               <a:ext uri="{FF2B5EF4-FFF2-40B4-BE49-F238E27FC236}">
-                <a16:creationId xmlns:a16="http://schemas.microsoft.com/office/drawing/2014/main" id="{2C49176A-B4B4-4F2C-B039-84E4FF30F8E3}"/>
+                <a16:creationId xmlns:a16="http://schemas.microsoft.com/office/drawing/2014/main" xmlns="" id="{2C49176A-B4B4-4F2C-B039-84E4FF30F8E3}"/>
               </a:ext>
             </a:extLst>
           </p:cNvPr>
@@ -3218,7 +3218,7 @@
           <p:cNvPr id="4" name="Text Placeholder 3">
             <a:extLst>
               <a:ext uri="{FF2B5EF4-FFF2-40B4-BE49-F238E27FC236}">
-                <a16:creationId xmlns:a16="http://schemas.microsoft.com/office/drawing/2014/main" id="{700DBDC5-686C-424E-9BB8-0F096D61E4A2}"/>
+                <a16:creationId xmlns:a16="http://schemas.microsoft.com/office/drawing/2014/main" xmlns="" id="{700DBDC5-686C-424E-9BB8-0F096D61E4A2}"/>
               </a:ext>
             </a:extLst>
           </p:cNvPr>
@@ -3289,7 +3289,7 @@
           <p:cNvPr id="5" name="Date Placeholder 4">
             <a:extLst>
               <a:ext uri="{FF2B5EF4-FFF2-40B4-BE49-F238E27FC236}">
-                <a16:creationId xmlns:a16="http://schemas.microsoft.com/office/drawing/2014/main" id="{8FCADB22-21AA-4663-B15F-0CF6AC1AE162}"/>
+                <a16:creationId xmlns:a16="http://schemas.microsoft.com/office/drawing/2014/main" xmlns="" id="{8FCADB22-21AA-4663-B15F-0CF6AC1AE162}"/>
               </a:ext>
             </a:extLst>
           </p:cNvPr>
@@ -3307,7 +3307,7 @@
           <a:p>
             <a:fld id="{9002AFFA-82F6-4F1A-9A72-D89A2E60E2BD}" type="datetimeFigureOut">
               <a:rPr lang="en-NZ" smtClean="0"/>
-              <a:t>4/12/2021</a:t>
+              <a:t>7/12/2021</a:t>
             </a:fld>
             <a:endParaRPr lang="en-NZ"/>
           </a:p>
@@ -3318,7 +3318,7 @@
           <p:cNvPr id="6" name="Footer Placeholder 5">
             <a:extLst>
               <a:ext uri="{FF2B5EF4-FFF2-40B4-BE49-F238E27FC236}">
-                <a16:creationId xmlns:a16="http://schemas.microsoft.com/office/drawing/2014/main" id="{30F5C27E-0A70-40DA-AFCB-AA270DB26147}"/>
+                <a16:creationId xmlns:a16="http://schemas.microsoft.com/office/drawing/2014/main" xmlns="" id="{30F5C27E-0A70-40DA-AFCB-AA270DB26147}"/>
               </a:ext>
             </a:extLst>
           </p:cNvPr>
@@ -3343,7 +3343,7 @@
           <p:cNvPr id="7" name="Slide Number Placeholder 6">
             <a:extLst>
               <a:ext uri="{FF2B5EF4-FFF2-40B4-BE49-F238E27FC236}">
-                <a16:creationId xmlns:a16="http://schemas.microsoft.com/office/drawing/2014/main" id="{218BB0B3-CAFF-4467-B3B9-21F94FDD9C35}"/>
+                <a16:creationId xmlns:a16="http://schemas.microsoft.com/office/drawing/2014/main" xmlns="" id="{218BB0B3-CAFF-4467-B3B9-21F94FDD9C35}"/>
               </a:ext>
             </a:extLst>
           </p:cNvPr>
@@ -3407,7 +3407,7 @@
           <p:cNvPr id="2" name="Title Placeholder 1">
             <a:extLst>
               <a:ext uri="{FF2B5EF4-FFF2-40B4-BE49-F238E27FC236}">
-                <a16:creationId xmlns:a16="http://schemas.microsoft.com/office/drawing/2014/main" id="{26D1A1A5-E02D-49F0-A1B0-5CB15C2114B1}"/>
+                <a16:creationId xmlns:a16="http://schemas.microsoft.com/office/drawing/2014/main" xmlns="" id="{26D1A1A5-E02D-49F0-A1B0-5CB15C2114B1}"/>
               </a:ext>
             </a:extLst>
           </p:cNvPr>
@@ -3446,7 +3446,7 @@
           <p:cNvPr id="3" name="Text Placeholder 2">
             <a:extLst>
               <a:ext uri="{FF2B5EF4-FFF2-40B4-BE49-F238E27FC236}">
-                <a16:creationId xmlns:a16="http://schemas.microsoft.com/office/drawing/2014/main" id="{7B35C4BA-5FD1-469D-A559-D33CC1010976}"/>
+                <a16:creationId xmlns:a16="http://schemas.microsoft.com/office/drawing/2014/main" xmlns="" id="{7B35C4BA-5FD1-469D-A559-D33CC1010976}"/>
               </a:ext>
             </a:extLst>
           </p:cNvPr>
@@ -3514,7 +3514,7 @@
           <p:cNvPr id="4" name="Date Placeholder 3">
             <a:extLst>
               <a:ext uri="{FF2B5EF4-FFF2-40B4-BE49-F238E27FC236}">
-                <a16:creationId xmlns:a16="http://schemas.microsoft.com/office/drawing/2014/main" id="{635C253D-53A0-4372-AF2A-5BC2FF0B4EC9}"/>
+                <a16:creationId xmlns:a16="http://schemas.microsoft.com/office/drawing/2014/main" xmlns="" id="{635C253D-53A0-4372-AF2A-5BC2FF0B4EC9}"/>
               </a:ext>
             </a:extLst>
           </p:cNvPr>
@@ -3550,7 +3550,7 @@
           <a:p>
             <a:fld id="{9002AFFA-82F6-4F1A-9A72-D89A2E60E2BD}" type="datetimeFigureOut">
               <a:rPr lang="en-NZ" smtClean="0"/>
-              <a:t>4/12/2021</a:t>
+              <a:t>7/12/2021</a:t>
             </a:fld>
             <a:endParaRPr lang="en-NZ"/>
           </a:p>
@@ -3561,7 +3561,7 @@
           <p:cNvPr id="5" name="Footer Placeholder 4">
             <a:extLst>
               <a:ext uri="{FF2B5EF4-FFF2-40B4-BE49-F238E27FC236}">
-                <a16:creationId xmlns:a16="http://schemas.microsoft.com/office/drawing/2014/main" id="{07D0A2DD-1967-48DE-9448-0BAA88D33B58}"/>
+                <a16:creationId xmlns:a16="http://schemas.microsoft.com/office/drawing/2014/main" xmlns="" id="{07D0A2DD-1967-48DE-9448-0BAA88D33B58}"/>
               </a:ext>
             </a:extLst>
           </p:cNvPr>
@@ -3604,7 +3604,7 @@
           <p:cNvPr id="6" name="Slide Number Placeholder 5">
             <a:extLst>
               <a:ext uri="{FF2B5EF4-FFF2-40B4-BE49-F238E27FC236}">
-                <a16:creationId xmlns:a16="http://schemas.microsoft.com/office/drawing/2014/main" id="{BBEC6D6E-1CCC-4268-B860-D5415863336C}"/>
+                <a16:creationId xmlns:a16="http://schemas.microsoft.com/office/drawing/2014/main" xmlns="" id="{BBEC6D6E-1CCC-4268-B860-D5415863336C}"/>
               </a:ext>
             </a:extLst>
           </p:cNvPr>
@@ -3972,7 +3972,7 @@
           <p:cNvPr id="2" name="Title 1">
             <a:extLst>
               <a:ext uri="{FF2B5EF4-FFF2-40B4-BE49-F238E27FC236}">
-                <a16:creationId xmlns:a16="http://schemas.microsoft.com/office/drawing/2014/main" id="{D00B11A3-C85F-419A-9E3F-A37993E53366}"/>
+                <a16:creationId xmlns:a16="http://schemas.microsoft.com/office/drawing/2014/main" xmlns="" id="{D00B11A3-C85F-419A-9E3F-A37993E53366}"/>
               </a:ext>
             </a:extLst>
           </p:cNvPr>
@@ -4016,7 +4016,7 @@
           <p:cNvPr id="4" name="TextBox 3">
             <a:extLst>
               <a:ext uri="{FF2B5EF4-FFF2-40B4-BE49-F238E27FC236}">
-                <a16:creationId xmlns:a16="http://schemas.microsoft.com/office/drawing/2014/main" id="{24647EF4-2DE5-4641-9492-71329DDC474C}"/>
+                <a16:creationId xmlns:a16="http://schemas.microsoft.com/office/drawing/2014/main" xmlns="" id="{24647EF4-2DE5-4641-9492-71329DDC474C}"/>
               </a:ext>
             </a:extLst>
           </p:cNvPr>
@@ -4327,7 +4327,7 @@
           <p:cNvPr id="2" name="Object 1">
             <a:extLst>
               <a:ext uri="{FF2B5EF4-FFF2-40B4-BE49-F238E27FC236}">
-                <a16:creationId xmlns:a16="http://schemas.microsoft.com/office/drawing/2014/main" id="{BF9888F6-BAA2-457F-A635-4363F4F15F9E}"/>
+                <a16:creationId xmlns:a16="http://schemas.microsoft.com/office/drawing/2014/main" xmlns="" id="{BF9888F6-BAA2-457F-A635-4363F4F15F9E}"/>
               </a:ext>
             </a:extLst>
           </p:cNvPr>
@@ -4350,7 +4350,7 @@
           <a:graphicData uri="http://schemas.openxmlformats.org/presentationml/2006/ole">
             <mc:AlternateContent xmlns:mc="http://schemas.openxmlformats.org/markup-compatibility/2006">
               <mc:Choice xmlns:v="urn:schemas-microsoft-com:vml" Requires="v">
-                <p:oleObj spid="_x0000_s4198" name="Prism 9" r:id="rId4" imgW="4486931" imgH="3025476" progId="Prism9.Document">
+                <p:oleObj spid="_x0000_s4207" name="Prism 9" r:id="rId4" imgW="4486931" imgH="3025476" progId="Prism9.Document">
                   <p:embed/>
                 </p:oleObj>
               </mc:Choice>
@@ -4362,7 +4362,7 @@
                       <p:cNvPr id="2" name="Object 1">
                         <a:extLst>
                           <a:ext uri="{FF2B5EF4-FFF2-40B4-BE49-F238E27FC236}">
-                            <a16:creationId xmlns:a16="http://schemas.microsoft.com/office/drawing/2014/main" id="{BF9888F6-BAA2-457F-A635-4363F4F15F9E}"/>
+                            <a16:creationId xmlns:a16="http://schemas.microsoft.com/office/drawing/2014/main" xmlns="" id="{BF9888F6-BAA2-457F-A635-4363F4F15F9E}"/>
                           </a:ext>
                         </a:extLst>
                       </p:cNvPr>
@@ -4401,7 +4401,7 @@
           <p:cNvPr id="9" name="TextBox 8">
             <a:extLst>
               <a:ext uri="{FF2B5EF4-FFF2-40B4-BE49-F238E27FC236}">
-                <a16:creationId xmlns:a16="http://schemas.microsoft.com/office/drawing/2014/main" id="{92A9CA4A-6B8A-465D-AE36-5468A7B4869F}"/>
+                <a16:creationId xmlns:a16="http://schemas.microsoft.com/office/drawing/2014/main" xmlns="" id="{92A9CA4A-6B8A-465D-AE36-5468A7B4869F}"/>
               </a:ext>
             </a:extLst>
           </p:cNvPr>
@@ -4436,7 +4436,7 @@
           <p:cNvPr id="13" name="Object 12">
             <a:extLst>
               <a:ext uri="{FF2B5EF4-FFF2-40B4-BE49-F238E27FC236}">
-                <a16:creationId xmlns:a16="http://schemas.microsoft.com/office/drawing/2014/main" id="{C907BEE6-D870-4CE9-9EAE-BBB825864E74}"/>
+                <a16:creationId xmlns:a16="http://schemas.microsoft.com/office/drawing/2014/main" xmlns="" id="{C907BEE6-D870-4CE9-9EAE-BBB825864E74}"/>
               </a:ext>
             </a:extLst>
           </p:cNvPr>
@@ -4459,7 +4459,7 @@
           <a:graphicData uri="http://schemas.openxmlformats.org/presentationml/2006/ole">
             <mc:AlternateContent xmlns:mc="http://schemas.openxmlformats.org/markup-compatibility/2006">
               <mc:Choice xmlns:v="urn:schemas-microsoft-com:vml" Requires="v">
-                <p:oleObj spid="_x0000_s4199" name="Prism 8" r:id="rId6" imgW="2811219" imgH="2707638" progId="Prism8.Document">
+                <p:oleObj spid="_x0000_s4208" name="Prism 8" r:id="rId6" imgW="2811219" imgH="2707638" progId="Prism8.Document">
                   <p:embed/>
                 </p:oleObj>
               </mc:Choice>
@@ -4471,7 +4471,7 @@
                       <p:cNvPr id="13" name="Object 12">
                         <a:extLst>
                           <a:ext uri="{FF2B5EF4-FFF2-40B4-BE49-F238E27FC236}">
-                            <a16:creationId xmlns:a16="http://schemas.microsoft.com/office/drawing/2014/main" id="{C907BEE6-D870-4CE9-9EAE-BBB825864E74}"/>
+                            <a16:creationId xmlns:a16="http://schemas.microsoft.com/office/drawing/2014/main" xmlns="" id="{C907BEE6-D870-4CE9-9EAE-BBB825864E74}"/>
                           </a:ext>
                         </a:extLst>
                       </p:cNvPr>
@@ -4505,7 +4505,7 @@
           <p:cNvPr id="12" name="Object 11">
             <a:extLst>
               <a:ext uri="{FF2B5EF4-FFF2-40B4-BE49-F238E27FC236}">
-                <a16:creationId xmlns:a16="http://schemas.microsoft.com/office/drawing/2014/main" id="{A1BA1029-E2FE-47F6-8FCD-23CAB803D8E8}"/>
+                <a16:creationId xmlns:a16="http://schemas.microsoft.com/office/drawing/2014/main" xmlns="" id="{A1BA1029-E2FE-47F6-8FCD-23CAB803D8E8}"/>
               </a:ext>
             </a:extLst>
           </p:cNvPr>
@@ -4528,7 +4528,7 @@
           <a:graphicData uri="http://schemas.openxmlformats.org/presentationml/2006/ole">
             <mc:AlternateContent xmlns:mc="http://schemas.openxmlformats.org/markup-compatibility/2006">
               <mc:Choice xmlns:v="urn:schemas-microsoft-com:vml" Requires="v">
-                <p:oleObj spid="_x0000_s4200" name="Prism 8" r:id="rId8" imgW="2780968" imgH="3027815" progId="Prism8.Document">
+                <p:oleObj spid="_x0000_s4209" name="Prism 8" r:id="rId8" imgW="2780968" imgH="3027815" progId="Prism8.Document">
                   <p:embed/>
                 </p:oleObj>
               </mc:Choice>
@@ -4540,7 +4540,7 @@
                       <p:cNvPr id="7" name="Object 6">
                         <a:extLst>
                           <a:ext uri="{FF2B5EF4-FFF2-40B4-BE49-F238E27FC236}">
-                            <a16:creationId xmlns:a16="http://schemas.microsoft.com/office/drawing/2014/main" id="{7867CC22-D6F5-4B9C-A461-63CD86891169}"/>
+                            <a16:creationId xmlns:a16="http://schemas.microsoft.com/office/drawing/2014/main" xmlns="" id="{7867CC22-D6F5-4B9C-A461-63CD86891169}"/>
                           </a:ext>
                         </a:extLst>
                       </p:cNvPr>
@@ -4574,7 +4574,7 @@
           <p:cNvPr id="14" name="TextBox 13">
             <a:extLst>
               <a:ext uri="{FF2B5EF4-FFF2-40B4-BE49-F238E27FC236}">
-                <a16:creationId xmlns:a16="http://schemas.microsoft.com/office/drawing/2014/main" id="{4A8C3586-4286-4B71-BB3A-9CA158CD7427}"/>
+                <a16:creationId xmlns:a16="http://schemas.microsoft.com/office/drawing/2014/main" xmlns="" id="{4A8C3586-4286-4B71-BB3A-9CA158CD7427}"/>
               </a:ext>
             </a:extLst>
           </p:cNvPr>
@@ -4610,7 +4610,7 @@
           <p:cNvPr id="15" name="TextBox 14">
             <a:extLst>
               <a:ext uri="{FF2B5EF4-FFF2-40B4-BE49-F238E27FC236}">
-                <a16:creationId xmlns:a16="http://schemas.microsoft.com/office/drawing/2014/main" id="{E336CC70-C26C-4583-92FF-856EB863D7B7}"/>
+                <a16:creationId xmlns:a16="http://schemas.microsoft.com/office/drawing/2014/main" xmlns="" id="{E336CC70-C26C-4583-92FF-856EB863D7B7}"/>
               </a:ext>
             </a:extLst>
           </p:cNvPr>
@@ -4648,7 +4648,7 @@
           <p:cNvPr id="4" name="TextBox 3">
             <a:extLst>
               <a:ext uri="{FF2B5EF4-FFF2-40B4-BE49-F238E27FC236}">
-                <a16:creationId xmlns:a16="http://schemas.microsoft.com/office/drawing/2014/main" id="{F71AD7A6-2BFB-43EC-AA31-3EB90DCCFAEA}"/>
+                <a16:creationId xmlns:a16="http://schemas.microsoft.com/office/drawing/2014/main" xmlns="" id="{F71AD7A6-2BFB-43EC-AA31-3EB90DCCFAEA}"/>
               </a:ext>
             </a:extLst>
           </p:cNvPr>
@@ -4683,7 +4683,7 @@
           <p:cNvPr id="16" name="Title 1">
             <a:extLst>
               <a:ext uri="{FF2B5EF4-FFF2-40B4-BE49-F238E27FC236}">
-                <a16:creationId xmlns:a16="http://schemas.microsoft.com/office/drawing/2014/main" id="{C3658B83-1C0D-4A88-B7F1-9281046BE572}"/>
+                <a16:creationId xmlns:a16="http://schemas.microsoft.com/office/drawing/2014/main" xmlns="" id="{C3658B83-1C0D-4A88-B7F1-9281046BE572}"/>
               </a:ext>
             </a:extLst>
           </p:cNvPr>
@@ -4747,7 +4747,7 @@
           <p:cNvPr id="17" name="Table 16">
             <a:extLst>
               <a:ext uri="{FF2B5EF4-FFF2-40B4-BE49-F238E27FC236}">
-                <a16:creationId xmlns:a16="http://schemas.microsoft.com/office/drawing/2014/main" id="{10B180B9-1EE6-4416-A034-4932BE3BD4AD}"/>
+                <a16:creationId xmlns:a16="http://schemas.microsoft.com/office/drawing/2014/main" xmlns="" id="{10B180B9-1EE6-4416-A034-4932BE3BD4AD}"/>
               </a:ext>
             </a:extLst>
           </p:cNvPr>
@@ -4776,21 +4776,21 @@
                 <a:gridCol w="803959">
                   <a:extLst>
                     <a:ext uri="{9D8B030D-6E8A-4147-A177-3AD203B41FA5}">
-                      <a16:colId xmlns:a16="http://schemas.microsoft.com/office/drawing/2014/main" val="1267647847"/>
+                      <a16:colId xmlns:a16="http://schemas.microsoft.com/office/drawing/2014/main" xmlns="" val="1267647847"/>
                     </a:ext>
                   </a:extLst>
                 </a:gridCol>
                 <a:gridCol w="803959">
                   <a:extLst>
                     <a:ext uri="{9D8B030D-6E8A-4147-A177-3AD203B41FA5}">
-                      <a16:colId xmlns:a16="http://schemas.microsoft.com/office/drawing/2014/main" val="1767373210"/>
+                      <a16:colId xmlns:a16="http://schemas.microsoft.com/office/drawing/2014/main" xmlns="" val="1767373210"/>
                     </a:ext>
                   </a:extLst>
                 </a:gridCol>
                 <a:gridCol w="803959">
                   <a:extLst>
                     <a:ext uri="{9D8B030D-6E8A-4147-A177-3AD203B41FA5}">
-                      <a16:colId xmlns:a16="http://schemas.microsoft.com/office/drawing/2014/main" val="1255813548"/>
+                      <a16:colId xmlns:a16="http://schemas.microsoft.com/office/drawing/2014/main" xmlns="" val="1255813548"/>
                     </a:ext>
                   </a:extLst>
                 </a:gridCol>
@@ -4867,7 +4867,7 @@
                 </a:tc>
                 <a:extLst>
                   <a:ext uri="{0D108BD9-81ED-4DB2-BD59-A6C34878D82A}">
-                    <a16:rowId xmlns:a16="http://schemas.microsoft.com/office/drawing/2014/main" val="1045883602"/>
+                    <a16:rowId xmlns:a16="http://schemas.microsoft.com/office/drawing/2014/main" xmlns="" val="1045883602"/>
                   </a:ext>
                 </a:extLst>
               </a:tr>
@@ -4974,7 +4974,7 @@
                 </a:tc>
                 <a:extLst>
                   <a:ext uri="{0D108BD9-81ED-4DB2-BD59-A6C34878D82A}">
-                    <a16:rowId xmlns:a16="http://schemas.microsoft.com/office/drawing/2014/main" val="20159642"/>
+                    <a16:rowId xmlns:a16="http://schemas.microsoft.com/office/drawing/2014/main" xmlns="" val="20159642"/>
                   </a:ext>
                 </a:extLst>
               </a:tr>
@@ -5047,7 +5047,7 @@
                 </a:tc>
                 <a:extLst>
                   <a:ext uri="{0D108BD9-81ED-4DB2-BD59-A6C34878D82A}">
-                    <a16:rowId xmlns:a16="http://schemas.microsoft.com/office/drawing/2014/main" val="1185766965"/>
+                    <a16:rowId xmlns:a16="http://schemas.microsoft.com/office/drawing/2014/main" xmlns="" val="1185766965"/>
                   </a:ext>
                 </a:extLst>
               </a:tr>
@@ -5120,7 +5120,7 @@
                 </a:tc>
                 <a:extLst>
                   <a:ext uri="{0D108BD9-81ED-4DB2-BD59-A6C34878D82A}">
-                    <a16:rowId xmlns:a16="http://schemas.microsoft.com/office/drawing/2014/main" val="988997202"/>
+                    <a16:rowId xmlns:a16="http://schemas.microsoft.com/office/drawing/2014/main" xmlns="" val="988997202"/>
                   </a:ext>
                 </a:extLst>
               </a:tr>
@@ -5193,7 +5193,7 @@
                 </a:tc>
                 <a:extLst>
                   <a:ext uri="{0D108BD9-81ED-4DB2-BD59-A6C34878D82A}">
-                    <a16:rowId xmlns:a16="http://schemas.microsoft.com/office/drawing/2014/main" val="603265025"/>
+                    <a16:rowId xmlns:a16="http://schemas.microsoft.com/office/drawing/2014/main" xmlns="" val="603265025"/>
                   </a:ext>
                 </a:extLst>
               </a:tr>
@@ -5266,7 +5266,7 @@
                 </a:tc>
                 <a:extLst>
                   <a:ext uri="{0D108BD9-81ED-4DB2-BD59-A6C34878D82A}">
-                    <a16:rowId xmlns:a16="http://schemas.microsoft.com/office/drawing/2014/main" val="2934770399"/>
+                    <a16:rowId xmlns:a16="http://schemas.microsoft.com/office/drawing/2014/main" xmlns="" val="2934770399"/>
                   </a:ext>
                 </a:extLst>
               </a:tr>
@@ -5339,7 +5339,7 @@
                 </a:tc>
                 <a:extLst>
                   <a:ext uri="{0D108BD9-81ED-4DB2-BD59-A6C34878D82A}">
-                    <a16:rowId xmlns:a16="http://schemas.microsoft.com/office/drawing/2014/main" val="975731326"/>
+                    <a16:rowId xmlns:a16="http://schemas.microsoft.com/office/drawing/2014/main" xmlns="" val="975731326"/>
                   </a:ext>
                 </a:extLst>
               </a:tr>
@@ -5412,7 +5412,7 @@
                 </a:tc>
                 <a:extLst>
                   <a:ext uri="{0D108BD9-81ED-4DB2-BD59-A6C34878D82A}">
-                    <a16:rowId xmlns:a16="http://schemas.microsoft.com/office/drawing/2014/main" val="3589786258"/>
+                    <a16:rowId xmlns:a16="http://schemas.microsoft.com/office/drawing/2014/main" xmlns="" val="3589786258"/>
                   </a:ext>
                 </a:extLst>
               </a:tr>
@@ -5485,7 +5485,7 @@
                 </a:tc>
                 <a:extLst>
                   <a:ext uri="{0D108BD9-81ED-4DB2-BD59-A6C34878D82A}">
-                    <a16:rowId xmlns:a16="http://schemas.microsoft.com/office/drawing/2014/main" val="3399494834"/>
+                    <a16:rowId xmlns:a16="http://schemas.microsoft.com/office/drawing/2014/main" xmlns="" val="3399494834"/>
                   </a:ext>
                 </a:extLst>
               </a:tr>
@@ -5528,7 +5528,7 @@
           <p:cNvPr id="2" name="Title 1">
             <a:extLst>
               <a:ext uri="{FF2B5EF4-FFF2-40B4-BE49-F238E27FC236}">
-                <a16:creationId xmlns:a16="http://schemas.microsoft.com/office/drawing/2014/main" id="{D00B11A3-C85F-419A-9E3F-A37993E53366}"/>
+                <a16:creationId xmlns:a16="http://schemas.microsoft.com/office/drawing/2014/main" xmlns="" id="{D00B11A3-C85F-419A-9E3F-A37993E53366}"/>
               </a:ext>
             </a:extLst>
           </p:cNvPr>
@@ -5574,7 +5574,7 @@
           <p:cNvPr id="5" name="Table 4">
             <a:extLst>
               <a:ext uri="{FF2B5EF4-FFF2-40B4-BE49-F238E27FC236}">
-                <a16:creationId xmlns:a16="http://schemas.microsoft.com/office/drawing/2014/main" id="{A0815116-95D8-402B-B31E-48E4D02FEA65}"/>
+                <a16:creationId xmlns:a16="http://schemas.microsoft.com/office/drawing/2014/main" xmlns="" id="{A0815116-95D8-402B-B31E-48E4D02FEA65}"/>
               </a:ext>
             </a:extLst>
           </p:cNvPr>
@@ -5603,21 +5603,21 @@
                 <a:gridCol w="803959">
                   <a:extLst>
                     <a:ext uri="{9D8B030D-6E8A-4147-A177-3AD203B41FA5}">
-                      <a16:colId xmlns:a16="http://schemas.microsoft.com/office/drawing/2014/main" val="1267647847"/>
+                      <a16:colId xmlns:a16="http://schemas.microsoft.com/office/drawing/2014/main" xmlns="" val="1267647847"/>
                     </a:ext>
                   </a:extLst>
                 </a:gridCol>
                 <a:gridCol w="803959">
                   <a:extLst>
                     <a:ext uri="{9D8B030D-6E8A-4147-A177-3AD203B41FA5}">
-                      <a16:colId xmlns:a16="http://schemas.microsoft.com/office/drawing/2014/main" val="1767373210"/>
+                      <a16:colId xmlns:a16="http://schemas.microsoft.com/office/drawing/2014/main" xmlns="" val="1767373210"/>
                     </a:ext>
                   </a:extLst>
                 </a:gridCol>
                 <a:gridCol w="803959">
                   <a:extLst>
                     <a:ext uri="{9D8B030D-6E8A-4147-A177-3AD203B41FA5}">
-                      <a16:colId xmlns:a16="http://schemas.microsoft.com/office/drawing/2014/main" val="1255813548"/>
+                      <a16:colId xmlns:a16="http://schemas.microsoft.com/office/drawing/2014/main" xmlns="" val="1255813548"/>
                     </a:ext>
                   </a:extLst>
                 </a:gridCol>
@@ -5694,7 +5694,7 @@
                 </a:tc>
                 <a:extLst>
                   <a:ext uri="{0D108BD9-81ED-4DB2-BD59-A6C34878D82A}">
-                    <a16:rowId xmlns:a16="http://schemas.microsoft.com/office/drawing/2014/main" val="1045883602"/>
+                    <a16:rowId xmlns:a16="http://schemas.microsoft.com/office/drawing/2014/main" xmlns="" val="1045883602"/>
                   </a:ext>
                 </a:extLst>
               </a:tr>
@@ -5801,7 +5801,7 @@
                 </a:tc>
                 <a:extLst>
                   <a:ext uri="{0D108BD9-81ED-4DB2-BD59-A6C34878D82A}">
-                    <a16:rowId xmlns:a16="http://schemas.microsoft.com/office/drawing/2014/main" val="20159642"/>
+                    <a16:rowId xmlns:a16="http://schemas.microsoft.com/office/drawing/2014/main" xmlns="" val="20159642"/>
                   </a:ext>
                 </a:extLst>
               </a:tr>
@@ -5874,7 +5874,7 @@
                 </a:tc>
                 <a:extLst>
                   <a:ext uri="{0D108BD9-81ED-4DB2-BD59-A6C34878D82A}">
-                    <a16:rowId xmlns:a16="http://schemas.microsoft.com/office/drawing/2014/main" val="1185766965"/>
+                    <a16:rowId xmlns:a16="http://schemas.microsoft.com/office/drawing/2014/main" xmlns="" val="1185766965"/>
                   </a:ext>
                 </a:extLst>
               </a:tr>
@@ -5947,7 +5947,7 @@
                 </a:tc>
                 <a:extLst>
                   <a:ext uri="{0D108BD9-81ED-4DB2-BD59-A6C34878D82A}">
-                    <a16:rowId xmlns:a16="http://schemas.microsoft.com/office/drawing/2014/main" val="988997202"/>
+                    <a16:rowId xmlns:a16="http://schemas.microsoft.com/office/drawing/2014/main" xmlns="" val="988997202"/>
                   </a:ext>
                 </a:extLst>
               </a:tr>
@@ -6020,7 +6020,7 @@
                 </a:tc>
                 <a:extLst>
                   <a:ext uri="{0D108BD9-81ED-4DB2-BD59-A6C34878D82A}">
-                    <a16:rowId xmlns:a16="http://schemas.microsoft.com/office/drawing/2014/main" val="603265025"/>
+                    <a16:rowId xmlns:a16="http://schemas.microsoft.com/office/drawing/2014/main" xmlns="" val="603265025"/>
                   </a:ext>
                 </a:extLst>
               </a:tr>
@@ -6093,7 +6093,7 @@
                 </a:tc>
                 <a:extLst>
                   <a:ext uri="{0D108BD9-81ED-4DB2-BD59-A6C34878D82A}">
-                    <a16:rowId xmlns:a16="http://schemas.microsoft.com/office/drawing/2014/main" val="2934770399"/>
+                    <a16:rowId xmlns:a16="http://schemas.microsoft.com/office/drawing/2014/main" xmlns="" val="2934770399"/>
                   </a:ext>
                 </a:extLst>
               </a:tr>
@@ -6166,7 +6166,7 @@
                 </a:tc>
                 <a:extLst>
                   <a:ext uri="{0D108BD9-81ED-4DB2-BD59-A6C34878D82A}">
-                    <a16:rowId xmlns:a16="http://schemas.microsoft.com/office/drawing/2014/main" val="975731326"/>
+                    <a16:rowId xmlns:a16="http://schemas.microsoft.com/office/drawing/2014/main" xmlns="" val="975731326"/>
                   </a:ext>
                 </a:extLst>
               </a:tr>
@@ -6239,7 +6239,7 @@
                 </a:tc>
                 <a:extLst>
                   <a:ext uri="{0D108BD9-81ED-4DB2-BD59-A6C34878D82A}">
-                    <a16:rowId xmlns:a16="http://schemas.microsoft.com/office/drawing/2014/main" val="3589786258"/>
+                    <a16:rowId xmlns:a16="http://schemas.microsoft.com/office/drawing/2014/main" xmlns="" val="3589786258"/>
                   </a:ext>
                 </a:extLst>
               </a:tr>
@@ -6312,7 +6312,7 @@
                 </a:tc>
                 <a:extLst>
                   <a:ext uri="{0D108BD9-81ED-4DB2-BD59-A6C34878D82A}">
-                    <a16:rowId xmlns:a16="http://schemas.microsoft.com/office/drawing/2014/main" val="3399494834"/>
+                    <a16:rowId xmlns:a16="http://schemas.microsoft.com/office/drawing/2014/main" xmlns="" val="3399494834"/>
                   </a:ext>
                 </a:extLst>
               </a:tr>
@@ -6325,7 +6325,7 @@
           <p:cNvPr id="6" name="Object 5">
             <a:extLst>
               <a:ext uri="{FF2B5EF4-FFF2-40B4-BE49-F238E27FC236}">
-                <a16:creationId xmlns:a16="http://schemas.microsoft.com/office/drawing/2014/main" id="{F0D22A7F-A713-4A06-AB14-284AEC09AFF8}"/>
+                <a16:creationId xmlns:a16="http://schemas.microsoft.com/office/drawing/2014/main" xmlns="" id="{F0D22A7F-A713-4A06-AB14-284AEC09AFF8}"/>
               </a:ext>
             </a:extLst>
           </p:cNvPr>
@@ -6348,7 +6348,7 @@
           <a:graphicData uri="http://schemas.openxmlformats.org/presentationml/2006/ole">
             <mc:AlternateContent xmlns:mc="http://schemas.openxmlformats.org/markup-compatibility/2006">
               <mc:Choice xmlns:v="urn:schemas-microsoft-com:vml" Requires="v">
-                <p:oleObj spid="_x0000_s5222" name="Prism 8" r:id="rId3" imgW="4622342" imgH="3009807" progId="Prism8.Document">
+                <p:oleObj spid="_x0000_s5234" name="Prism 8" r:id="rId3" imgW="4622342" imgH="3009807" progId="Prism8.Document">
                   <p:embed/>
                 </p:oleObj>
               </mc:Choice>
@@ -6409,7 +6409,7 @@
           <p:cNvPr id="9" name="TextBox 8">
             <a:extLst>
               <a:ext uri="{FF2B5EF4-FFF2-40B4-BE49-F238E27FC236}">
-                <a16:creationId xmlns:a16="http://schemas.microsoft.com/office/drawing/2014/main" id="{0229C309-D453-4C52-81C6-2A83FD6EE739}"/>
+                <a16:creationId xmlns:a16="http://schemas.microsoft.com/office/drawing/2014/main" xmlns="" id="{0229C309-D453-4C52-81C6-2A83FD6EE739}"/>
               </a:ext>
             </a:extLst>
           </p:cNvPr>
@@ -6448,7 +6448,7 @@
           <p:cNvPr id="10" name="TextBox 9">
             <a:extLst>
               <a:ext uri="{FF2B5EF4-FFF2-40B4-BE49-F238E27FC236}">
-                <a16:creationId xmlns:a16="http://schemas.microsoft.com/office/drawing/2014/main" id="{1FE7C30C-3D73-46E6-AECA-E624EC8EC4FB}"/>
+                <a16:creationId xmlns:a16="http://schemas.microsoft.com/office/drawing/2014/main" xmlns="" id="{1FE7C30C-3D73-46E6-AECA-E624EC8EC4FB}"/>
               </a:ext>
             </a:extLst>
           </p:cNvPr>
@@ -6517,7 +6517,7 @@
           <p:cNvPr id="11" name="TextBox 10">
             <a:extLst>
               <a:ext uri="{FF2B5EF4-FFF2-40B4-BE49-F238E27FC236}">
-                <a16:creationId xmlns:a16="http://schemas.microsoft.com/office/drawing/2014/main" id="{C7A1BF17-E9F2-4ACE-9558-6CF2DCC375B7}"/>
+                <a16:creationId xmlns:a16="http://schemas.microsoft.com/office/drawing/2014/main" xmlns="" id="{C7A1BF17-E9F2-4ACE-9558-6CF2DCC375B7}"/>
               </a:ext>
             </a:extLst>
           </p:cNvPr>
@@ -6737,7 +6737,7 @@
           <p:cNvPr id="12" name="Object 11">
             <a:extLst>
               <a:ext uri="{FF2B5EF4-FFF2-40B4-BE49-F238E27FC236}">
-                <a16:creationId xmlns:a16="http://schemas.microsoft.com/office/drawing/2014/main" id="{09BA11FB-408D-4FC1-ADB0-853DCC6A0754}"/>
+                <a16:creationId xmlns:a16="http://schemas.microsoft.com/office/drawing/2014/main" xmlns="" id="{09BA11FB-408D-4FC1-ADB0-853DCC6A0754}"/>
               </a:ext>
             </a:extLst>
           </p:cNvPr>
@@ -6760,7 +6760,7 @@
           <a:graphicData uri="http://schemas.openxmlformats.org/presentationml/2006/ole">
             <mc:AlternateContent xmlns:mc="http://schemas.openxmlformats.org/markup-compatibility/2006">
               <mc:Choice xmlns:v="urn:schemas-microsoft-com:vml" Requires="v">
-                <p:oleObj spid="_x0000_s5223" name="Prism 8" r:id="rId5" imgW="4274811" imgH="3009807" progId="Prism8.Document">
+                <p:oleObj spid="_x0000_s5235" name="Prism 8" r:id="rId5" imgW="4274811" imgH="3009807" progId="Prism8.Document">
                   <p:embed/>
                 </p:oleObj>
               </mc:Choice>
@@ -6800,7 +6800,7 @@
           <p:cNvPr id="15" name="Object 14">
             <a:extLst>
               <a:ext uri="{FF2B5EF4-FFF2-40B4-BE49-F238E27FC236}">
-                <a16:creationId xmlns:a16="http://schemas.microsoft.com/office/drawing/2014/main" id="{E5152EB4-13C3-43D2-A571-74175F5592AC}"/>
+                <a16:creationId xmlns:a16="http://schemas.microsoft.com/office/drawing/2014/main" xmlns="" id="{E5152EB4-13C3-43D2-A571-74175F5592AC}"/>
               </a:ext>
             </a:extLst>
           </p:cNvPr>
@@ -6823,7 +6823,7 @@
           <a:graphicData uri="http://schemas.openxmlformats.org/presentationml/2006/ole">
             <mc:AlternateContent xmlns:mc="http://schemas.openxmlformats.org/markup-compatibility/2006">
               <mc:Choice xmlns:v="urn:schemas-microsoft-com:vml" Requires="v">
-                <p:oleObj spid="_x0000_s5224" name="Prism 8" r:id="rId7" imgW="3041706" imgH="3311616" progId="Prism8.Document">
+                <p:oleObj spid="_x0000_s5236" name="Prism 8" r:id="rId7" imgW="3041706" imgH="3311616" progId="Prism8.Document">
                   <p:embed/>
                 </p:oleObj>
               </mc:Choice>
@@ -6863,7 +6863,7 @@
           <p:cNvPr id="17" name="Object 16">
             <a:extLst>
               <a:ext uri="{FF2B5EF4-FFF2-40B4-BE49-F238E27FC236}">
-                <a16:creationId xmlns:a16="http://schemas.microsoft.com/office/drawing/2014/main" id="{365DD00C-632C-465C-A9D2-44AC2C6FED61}"/>
+                <a16:creationId xmlns:a16="http://schemas.microsoft.com/office/drawing/2014/main" xmlns="" id="{365DD00C-632C-465C-A9D2-44AC2C6FED61}"/>
               </a:ext>
             </a:extLst>
           </p:cNvPr>
@@ -6886,7 +6886,7 @@
           <a:graphicData uri="http://schemas.openxmlformats.org/presentationml/2006/ole">
             <mc:AlternateContent xmlns:mc="http://schemas.openxmlformats.org/markup-compatibility/2006">
               <mc:Choice xmlns:v="urn:schemas-microsoft-com:vml" Requires="v">
-                <p:oleObj spid="_x0000_s5225" name="Prism 8" r:id="rId9" imgW="3041706" imgH="3128658" progId="Prism8.Document">
+                <p:oleObj spid="_x0000_s5237" name="Prism 8" r:id="rId9" imgW="3041706" imgH="3128658" progId="Prism8.Document">
                   <p:embed/>
                 </p:oleObj>
               </mc:Choice>
@@ -6926,7 +6926,7 @@
           <p:cNvPr id="18" name="Table 17">
             <a:extLst>
               <a:ext uri="{FF2B5EF4-FFF2-40B4-BE49-F238E27FC236}">
-                <a16:creationId xmlns:a16="http://schemas.microsoft.com/office/drawing/2014/main" id="{AAF109D6-4649-4136-BE32-C2FD25F75C6B}"/>
+                <a16:creationId xmlns:a16="http://schemas.microsoft.com/office/drawing/2014/main" xmlns="" id="{AAF109D6-4649-4136-BE32-C2FD25F75C6B}"/>
               </a:ext>
             </a:extLst>
           </p:cNvPr>
@@ -6955,21 +6955,21 @@
                 <a:gridCol w="803959">
                   <a:extLst>
                     <a:ext uri="{9D8B030D-6E8A-4147-A177-3AD203B41FA5}">
-                      <a16:colId xmlns:a16="http://schemas.microsoft.com/office/drawing/2014/main" val="3847658434"/>
+                      <a16:colId xmlns:a16="http://schemas.microsoft.com/office/drawing/2014/main" xmlns="" val="3847658434"/>
                     </a:ext>
                   </a:extLst>
                 </a:gridCol>
                 <a:gridCol w="803959">
                   <a:extLst>
                     <a:ext uri="{9D8B030D-6E8A-4147-A177-3AD203B41FA5}">
-                      <a16:colId xmlns:a16="http://schemas.microsoft.com/office/drawing/2014/main" val="1427592641"/>
+                      <a16:colId xmlns:a16="http://schemas.microsoft.com/office/drawing/2014/main" xmlns="" val="1427592641"/>
                     </a:ext>
                   </a:extLst>
                 </a:gridCol>
                 <a:gridCol w="803959">
                   <a:extLst>
                     <a:ext uri="{9D8B030D-6E8A-4147-A177-3AD203B41FA5}">
-                      <a16:colId xmlns:a16="http://schemas.microsoft.com/office/drawing/2014/main" val="3084578974"/>
+                      <a16:colId xmlns:a16="http://schemas.microsoft.com/office/drawing/2014/main" xmlns="" val="3084578974"/>
                     </a:ext>
                   </a:extLst>
                 </a:gridCol>
@@ -7046,7 +7046,7 @@
                 </a:tc>
                 <a:extLst>
                   <a:ext uri="{0D108BD9-81ED-4DB2-BD59-A6C34878D82A}">
-                    <a16:rowId xmlns:a16="http://schemas.microsoft.com/office/drawing/2014/main" val="753339010"/>
+                    <a16:rowId xmlns:a16="http://schemas.microsoft.com/office/drawing/2014/main" xmlns="" val="753339010"/>
                   </a:ext>
                 </a:extLst>
               </a:tr>
@@ -7144,7 +7144,7 @@
                 </a:tc>
                 <a:extLst>
                   <a:ext uri="{0D108BD9-81ED-4DB2-BD59-A6C34878D82A}">
-                    <a16:rowId xmlns:a16="http://schemas.microsoft.com/office/drawing/2014/main" val="141850907"/>
+                    <a16:rowId xmlns:a16="http://schemas.microsoft.com/office/drawing/2014/main" xmlns="" val="141850907"/>
                   </a:ext>
                 </a:extLst>
               </a:tr>
@@ -7217,7 +7217,7 @@
                 </a:tc>
                 <a:extLst>
                   <a:ext uri="{0D108BD9-81ED-4DB2-BD59-A6C34878D82A}">
-                    <a16:rowId xmlns:a16="http://schemas.microsoft.com/office/drawing/2014/main" val="2681807246"/>
+                    <a16:rowId xmlns:a16="http://schemas.microsoft.com/office/drawing/2014/main" xmlns="" val="2681807246"/>
                   </a:ext>
                 </a:extLst>
               </a:tr>
@@ -7260,7 +7260,7 @@
           <p:cNvPr id="4" name="Title 1">
             <a:extLst>
               <a:ext uri="{FF2B5EF4-FFF2-40B4-BE49-F238E27FC236}">
-                <a16:creationId xmlns:a16="http://schemas.microsoft.com/office/drawing/2014/main" id="{97E8343D-7DEB-4FC8-AA0D-8ED69FF96BF5}"/>
+                <a16:creationId xmlns:a16="http://schemas.microsoft.com/office/drawing/2014/main" xmlns="" id="{97E8343D-7DEB-4FC8-AA0D-8ED69FF96BF5}"/>
               </a:ext>
             </a:extLst>
           </p:cNvPr>
@@ -7326,7 +7326,7 @@
           <p:cNvPr id="5" name="Object 4">
             <a:extLst>
               <a:ext uri="{FF2B5EF4-FFF2-40B4-BE49-F238E27FC236}">
-                <a16:creationId xmlns:a16="http://schemas.microsoft.com/office/drawing/2014/main" id="{0FE3B252-97C4-4B32-83E1-EDC24FE1AA12}"/>
+                <a16:creationId xmlns:a16="http://schemas.microsoft.com/office/drawing/2014/main" xmlns="" id="{0FE3B252-97C4-4B32-83E1-EDC24FE1AA12}"/>
               </a:ext>
             </a:extLst>
           </p:cNvPr>
@@ -7349,7 +7349,7 @@
           <a:graphicData uri="http://schemas.openxmlformats.org/presentationml/2006/ole">
             <mc:AlternateContent xmlns:mc="http://schemas.openxmlformats.org/markup-compatibility/2006">
               <mc:Choice xmlns:v="urn:schemas-microsoft-com:vml" Requires="v">
-                <p:oleObj spid="_x0000_s6188" name="Prism 8" r:id="rId3" imgW="4143722" imgH="3101286" progId="Prism8.Document">
+                <p:oleObj spid="_x0000_s6200" name="Prism 8" r:id="rId3" imgW="4143722" imgH="3101286" progId="Prism8.Document">
                   <p:embed/>
                 </p:oleObj>
               </mc:Choice>
@@ -7389,7 +7389,7 @@
           <p:cNvPr id="6" name="Object 5">
             <a:extLst>
               <a:ext uri="{FF2B5EF4-FFF2-40B4-BE49-F238E27FC236}">
-                <a16:creationId xmlns:a16="http://schemas.microsoft.com/office/drawing/2014/main" id="{B7C3E8D7-20E6-42AE-ACB4-5B65CFBDBA00}"/>
+                <a16:creationId xmlns:a16="http://schemas.microsoft.com/office/drawing/2014/main" xmlns="" id="{B7C3E8D7-20E6-42AE-ACB4-5B65CFBDBA00}"/>
               </a:ext>
             </a:extLst>
           </p:cNvPr>
@@ -7412,7 +7412,7 @@
           <a:graphicData uri="http://schemas.openxmlformats.org/presentationml/2006/ole">
             <mc:AlternateContent xmlns:mc="http://schemas.openxmlformats.org/markup-compatibility/2006">
               <mc:Choice xmlns:v="urn:schemas-microsoft-com:vml" Requires="v">
-                <p:oleObj spid="_x0000_s6189" name="Prism 8" r:id="rId5" imgW="2892250" imgH="3064551" progId="Prism8.Document">
+                <p:oleObj spid="_x0000_s6201" name="Prism 8" r:id="rId5" imgW="2892250" imgH="3064551" progId="Prism8.Document">
                   <p:embed/>
                 </p:oleObj>
               </mc:Choice>
@@ -7452,7 +7452,7 @@
           <p:cNvPr id="7" name="Object 6">
             <a:extLst>
               <a:ext uri="{FF2B5EF4-FFF2-40B4-BE49-F238E27FC236}">
-                <a16:creationId xmlns:a16="http://schemas.microsoft.com/office/drawing/2014/main" id="{6468F218-2D92-4292-A32D-344C049F24D1}"/>
+                <a16:creationId xmlns:a16="http://schemas.microsoft.com/office/drawing/2014/main" xmlns="" id="{6468F218-2D92-4292-A32D-344C049F24D1}"/>
               </a:ext>
             </a:extLst>
           </p:cNvPr>
@@ -7475,7 +7475,7 @@
           <a:graphicData uri="http://schemas.openxmlformats.org/presentationml/2006/ole">
             <mc:AlternateContent xmlns:mc="http://schemas.openxmlformats.org/markup-compatibility/2006">
               <mc:Choice xmlns:v="urn:schemas-microsoft-com:vml" Requires="v">
-                <p:oleObj spid="_x0000_s6190" name="Prism 8" r:id="rId7" imgW="2892250" imgH="3064551" progId="Prism8.Document">
+                <p:oleObj spid="_x0000_s6202" name="Prism 8" r:id="rId7" imgW="2892250" imgH="3064551" progId="Prism8.Document">
                   <p:embed/>
                 </p:oleObj>
               </mc:Choice>
@@ -7515,7 +7515,7 @@
           <p:cNvPr id="8" name="TextBox 7">
             <a:extLst>
               <a:ext uri="{FF2B5EF4-FFF2-40B4-BE49-F238E27FC236}">
-                <a16:creationId xmlns:a16="http://schemas.microsoft.com/office/drawing/2014/main" id="{17B8C3DF-2A89-408D-92A8-E7C54D725B77}"/>
+                <a16:creationId xmlns:a16="http://schemas.microsoft.com/office/drawing/2014/main" xmlns="" id="{17B8C3DF-2A89-408D-92A8-E7C54D725B77}"/>
               </a:ext>
             </a:extLst>
           </p:cNvPr>
@@ -7551,7 +7551,7 @@
           <p:cNvPr id="10" name="Object 9">
             <a:extLst>
               <a:ext uri="{FF2B5EF4-FFF2-40B4-BE49-F238E27FC236}">
-                <a16:creationId xmlns:a16="http://schemas.microsoft.com/office/drawing/2014/main" id="{6F55D26A-8789-4911-8735-E4131237CC55}"/>
+                <a16:creationId xmlns:a16="http://schemas.microsoft.com/office/drawing/2014/main" xmlns="" id="{6F55D26A-8789-4911-8735-E4131237CC55}"/>
               </a:ext>
             </a:extLst>
           </p:cNvPr>
@@ -7574,7 +7574,7 @@
           <a:graphicData uri="http://schemas.openxmlformats.org/presentationml/2006/ole">
             <mc:AlternateContent xmlns:mc="http://schemas.openxmlformats.org/markup-compatibility/2006">
               <mc:Choice xmlns:v="urn:schemas-microsoft-com:vml" Requires="v">
-                <p:oleObj spid="_x0000_s6191" name="Prism 8" r:id="rId9" imgW="2858757" imgH="2762742" progId="Prism8.Document">
+                <p:oleObj spid="_x0000_s6203" name="Prism 8" r:id="rId9" imgW="2858757" imgH="2762742" progId="Prism8.Document">
                   <p:embed/>
                 </p:oleObj>
               </mc:Choice>
@@ -7614,7 +7614,7 @@
           <p:cNvPr id="11" name="TextBox 10">
             <a:extLst>
               <a:ext uri="{FF2B5EF4-FFF2-40B4-BE49-F238E27FC236}">
-                <a16:creationId xmlns:a16="http://schemas.microsoft.com/office/drawing/2014/main" id="{586D62D5-12F8-4FBE-BD91-487F61D992F6}"/>
+                <a16:creationId xmlns:a16="http://schemas.microsoft.com/office/drawing/2014/main" xmlns="" id="{586D62D5-12F8-4FBE-BD91-487F61D992F6}"/>
               </a:ext>
             </a:extLst>
           </p:cNvPr>
@@ -7642,6 +7642,183 @@
               <a:t>SER calculated from the graph above (average of CA-123 and 124)</a:t>
             </a:r>
             <a:endParaRPr lang="en-NZ" dirty="0"/>
+          </a:p>
+        </p:txBody>
+      </p:sp>
+      <p:sp>
+        <p:nvSpPr>
+          <p:cNvPr id="2" name="TextBox 1"/>
+          <p:cNvSpPr txBox="1"/>
+          <p:nvPr/>
+        </p:nvSpPr>
+        <p:spPr>
+          <a:xfrm>
+            <a:off x="4356848" y="4538917"/>
+            <a:ext cx="7713232" cy="2308324"/>
+          </a:xfrm>
+          <a:prstGeom prst="rect">
+            <a:avLst/>
+          </a:prstGeom>
+          <a:noFill/>
+        </p:spPr>
+        <p:txBody>
+          <a:bodyPr wrap="square" rtlCol="0">
+            <a:spAutoFit/>
+          </a:bodyPr>
+          <a:lstStyle/>
+          <a:p>
+            <a:r>
+              <a:rPr lang="en-US" b="1" dirty="0"/>
+              <a:t>SER (</a:t>
+            </a:r>
+            <a:r>
+              <a:rPr lang="en-US" b="1" dirty="0" err="1"/>
+              <a:t>sensitiser</a:t>
+            </a:r>
+            <a:r>
+              <a:rPr lang="en-US" b="1" dirty="0"/>
+              <a:t> enhancement ratio) is calculated by </a:t>
+            </a:r>
+            <a:endParaRPr lang="en-US" dirty="0"/>
+          </a:p>
+          <a:p>
+            <a:r>
+              <a:rPr lang="en-US" b="1" dirty="0"/>
+              <a:t> </a:t>
+            </a:r>
+            <a:endParaRPr lang="en-US" dirty="0"/>
+          </a:p>
+          <a:p>
+            <a:r>
+              <a:rPr lang="en-US" b="1" dirty="0"/>
+              <a:t>SER</a:t>
+            </a:r>
+            <a:r>
+              <a:rPr lang="en-US" b="1" baseline="-25000" dirty="0"/>
+              <a:t>10</a:t>
+            </a:r>
+            <a:r>
+              <a:rPr lang="en-US" b="1" dirty="0"/>
+              <a:t>= D</a:t>
+            </a:r>
+            <a:r>
+              <a:rPr lang="en-US" b="1" baseline="-25000" dirty="0"/>
+              <a:t>10</a:t>
+            </a:r>
+            <a:r>
+              <a:rPr lang="en-US" b="1" dirty="0"/>
+              <a:t> (0 </a:t>
+            </a:r>
+            <a:r>
+              <a:rPr lang="en-US" b="1" dirty="0" err="1"/>
+              <a:t>uM</a:t>
+            </a:r>
+            <a:r>
+              <a:rPr lang="en-US" b="1" dirty="0"/>
+              <a:t>)/ D</a:t>
+            </a:r>
+            <a:r>
+              <a:rPr lang="en-US" b="1" baseline="-25000" dirty="0"/>
+              <a:t>10 </a:t>
+            </a:r>
+            <a:r>
+              <a:rPr lang="en-US" b="1" dirty="0"/>
+              <a:t>(drug treated)</a:t>
+            </a:r>
+            <a:r>
+              <a:rPr lang="en-US" dirty="0"/>
+              <a:t> </a:t>
+            </a:r>
+          </a:p>
+          <a:p>
+            <a:r>
+              <a:rPr lang="en-US" b="1" dirty="0"/>
+              <a:t>SER</a:t>
+            </a:r>
+            <a:r>
+              <a:rPr lang="en-US" baseline="-25000" dirty="0"/>
+              <a:t>1</a:t>
+            </a:r>
+            <a:r>
+              <a:rPr lang="en-US" dirty="0"/>
+              <a:t> = </a:t>
+            </a:r>
+            <a:r>
+              <a:rPr lang="en-US" b="1" dirty="0" smtClean="0"/>
+              <a:t>D</a:t>
+            </a:r>
+            <a:r>
+              <a:rPr lang="en-US" b="1" baseline="-25000" dirty="0" smtClean="0"/>
+              <a:t>1</a:t>
+            </a:r>
+            <a:r>
+              <a:rPr lang="en-US" b="1" dirty="0" smtClean="0"/>
+              <a:t> </a:t>
+            </a:r>
+            <a:r>
+              <a:rPr lang="en-US" b="1" dirty="0"/>
+              <a:t>(0 </a:t>
+            </a:r>
+            <a:r>
+              <a:rPr lang="en-US" b="1" dirty="0" err="1"/>
+              <a:t>uM</a:t>
+            </a:r>
+            <a:r>
+              <a:rPr lang="en-US" b="1" dirty="0"/>
+              <a:t>)/ D</a:t>
+            </a:r>
+            <a:r>
+              <a:rPr lang="en-US" b="1" baseline="-25000" dirty="0"/>
+              <a:t>1 </a:t>
+            </a:r>
+            <a:r>
+              <a:rPr lang="en-US" b="1" dirty="0"/>
+              <a:t>(drug treated)</a:t>
+            </a:r>
+            <a:r>
+              <a:rPr lang="en-US" dirty="0"/>
+              <a:t> </a:t>
+            </a:r>
+          </a:p>
+          <a:p>
+            <a:r>
+              <a:rPr lang="en-US" dirty="0"/>
+              <a:t> </a:t>
+            </a:r>
+          </a:p>
+          <a:p>
+            <a:r>
+              <a:rPr lang="en-US" b="1" dirty="0"/>
+              <a:t>D</a:t>
+            </a:r>
+            <a:r>
+              <a:rPr lang="en-US" b="1" baseline="-25000" dirty="0"/>
+              <a:t>10</a:t>
+            </a:r>
+            <a:r>
+              <a:rPr lang="en-US" b="1" dirty="0"/>
+              <a:t> and D</a:t>
+            </a:r>
+            <a:r>
+              <a:rPr lang="en-US" b="1" baseline="-25000" dirty="0"/>
+              <a:t>1</a:t>
+            </a:r>
+            <a:r>
+              <a:rPr lang="en-US" b="1" dirty="0"/>
+              <a:t> are rad doses at 10% and 1% </a:t>
+            </a:r>
+            <a:r>
+              <a:rPr lang="en-US" b="1" dirty="0" err="1"/>
+              <a:t>clonogenic</a:t>
+            </a:r>
+            <a:r>
+              <a:rPr lang="en-US" b="1" dirty="0"/>
+              <a:t> cell survival respectively (surviving fraction=0.1 and SF=0.01).</a:t>
+            </a:r>
+            <a:endParaRPr lang="en-US" dirty="0"/>
+          </a:p>
+          <a:p>
+            <a:endParaRPr lang="en-US" dirty="0"/>
           </a:p>
         </p:txBody>
       </p:sp>
@@ -7701,7 +7878,7 @@
     </a:clrScheme>
     <a:fontScheme name="Office">
       <a:majorFont>
-        <a:latin typeface="Calibri Light" panose="020F0302020204030204"/>
+        <a:latin typeface="Calibri Light"/>
         <a:ea typeface=""/>
         <a:cs typeface=""/>
         <a:font script="Jpan" typeface="游ゴシック Light"/>
@@ -7753,7 +7930,7 @@
         <a:font script="Tfng" typeface="Ebrima"/>
       </a:majorFont>
       <a:minorFont>
-        <a:latin typeface="Calibri" panose="020F0502020204030204"/>
+        <a:latin typeface="Calibri"/>
         <a:ea typeface=""/>
         <a:cs typeface=""/>
         <a:font script="Jpan" typeface="游ゴシック"/>
@@ -7947,7 +8124,7 @@
   <a:extraClrSchemeLst/>
   <a:extLst>
     <a:ext uri="{05A4C25C-085E-4340-85A3-A5531E510DB2}">
-      <thm15:themeFamily xmlns:thm15="http://schemas.microsoft.com/office/thememl/2012/main" name="Office Theme" id="{62F939B6-93AF-4DB8-9C6B-D6C7DFDC589F}" vid="{4A3C46E8-61CC-4603-A589-7422A47A8E4A}"/>
+      <thm15:themeFamily xmlns:thm15="http://schemas.microsoft.com/office/thememl/2012/main" xmlns="" name="Office Theme" id="{62F939B6-93AF-4DB8-9C6B-D6C7DFDC589F}" vid="{4A3C46E8-61CC-4603-A589-7422A47A8E4A}"/>
     </a:ext>
   </a:extLst>
 </a:theme>
@@ -7996,7 +8173,7 @@
     </a:clrScheme>
     <a:fontScheme name="Office">
       <a:majorFont>
-        <a:latin typeface="Calibri Light" panose="020F0302020204030204"/>
+        <a:latin typeface="Calibri Light"/>
         <a:ea typeface=""/>
         <a:cs typeface=""/>
         <a:font script="Jpan" typeface="游ゴシック Light"/>
@@ -8048,7 +8225,7 @@
         <a:font script="Tfng" typeface="Ebrima"/>
       </a:majorFont>
       <a:minorFont>
-        <a:latin typeface="Calibri" panose="020F0502020204030204"/>
+        <a:latin typeface="Calibri"/>
         <a:ea typeface=""/>
         <a:cs typeface=""/>
         <a:font script="Jpan" typeface="游ゴシック"/>
@@ -8242,7 +8419,7 @@
   <a:extraClrSchemeLst/>
   <a:extLst>
     <a:ext uri="{05A4C25C-085E-4340-85A3-A5531E510DB2}">
-      <thm15:themeFamily xmlns:thm15="http://schemas.microsoft.com/office/thememl/2012/main" name="Office Theme" id="{62F939B6-93AF-4DB8-9C6B-D6C7DFDC589F}" vid="{4A3C46E8-61CC-4603-A589-7422A47A8E4A}"/>
+      <thm15:themeFamily xmlns:thm15="http://schemas.microsoft.com/office/thememl/2012/main" xmlns="" name="Office Theme" id="{62F939B6-93AF-4DB8-9C6B-D6C7DFDC589F}" vid="{4A3C46E8-61CC-4603-A589-7422A47A8E4A}"/>
     </a:ext>
   </a:extLst>
 </a:theme>
